--- a/data-science-london.pptx
+++ b/data-science-london.pptx
@@ -5,7 +5,7 @@
     <p:sldMasterId id="2147483648" r:id="rId1"/>
   </p:sldMasterIdLst>
   <p:notesMasterIdLst>
-    <p:notesMasterId r:id="rId43"/>
+    <p:notesMasterId r:id="rId53"/>
   </p:notesMasterIdLst>
   <p:sldIdLst>
     <p:sldId id="256" r:id="rId2"/>
@@ -46,9 +46,19 @@
     <p:sldId id="267" r:id="rId37"/>
     <p:sldId id="272" r:id="rId38"/>
     <p:sldId id="270" r:id="rId39"/>
-    <p:sldId id="273" r:id="rId40"/>
-    <p:sldId id="269" r:id="rId41"/>
-    <p:sldId id="271" r:id="rId42"/>
+    <p:sldId id="319" r:id="rId40"/>
+    <p:sldId id="320" r:id="rId41"/>
+    <p:sldId id="273" r:id="rId42"/>
+    <p:sldId id="269" r:id="rId43"/>
+    <p:sldId id="313" r:id="rId44"/>
+    <p:sldId id="314" r:id="rId45"/>
+    <p:sldId id="311" r:id="rId46"/>
+    <p:sldId id="315" r:id="rId47"/>
+    <p:sldId id="316" r:id="rId48"/>
+    <p:sldId id="317" r:id="rId49"/>
+    <p:sldId id="310" r:id="rId50"/>
+    <p:sldId id="271" r:id="rId51"/>
+    <p:sldId id="309" r:id="rId52"/>
   </p:sldIdLst>
   <p:sldSz cx="9144000" cy="6858000" type="screen4x3"/>
   <p:notesSz cx="6858000" cy="9144000"/>
@@ -2884,6 +2894,44 @@
           <a:bodyPr/>
           <a:lstStyle/>
           <a:p>
+            <a:r>
+              <a:rPr lang="en-AU" dirty="0" smtClean="0"/>
+              <a:t>The </a:t>
+            </a:r>
+            <a:r>
+              <a:rPr lang="en-AU" dirty="0" err="1" smtClean="0"/>
+              <a:t>Elo</a:t>
+            </a:r>
+            <a:r>
+              <a:rPr lang="en-AU" dirty="0" smtClean="0"/>
+              <a:t> Rating System</a:t>
+            </a:r>
+          </a:p>
+          <a:p>
+            <a:endParaRPr lang="en-AU" dirty="0" smtClean="0"/>
+          </a:p>
+          <a:p>
+            <a:pPr marL="285750" indent="-285750">
+              <a:buFontTx/>
+              <a:buChar char="-"/>
+            </a:pPr>
+            <a:r>
+              <a:rPr lang="en-AU" dirty="0" smtClean="0"/>
+              <a:t>Most famously used in chess</a:t>
+            </a:r>
+          </a:p>
+          <a:p>
+            <a:pPr marL="285750" indent="-285750">
+              <a:buFontTx/>
+              <a:buChar char="-"/>
+            </a:pPr>
+            <a:r>
+              <a:rPr lang="en-AU" dirty="0" smtClean="0"/>
+              <a:t>Takes into account the importance of the match and the probability that each team will win</a:t>
+            </a:r>
+            <a:endParaRPr lang="en-US" dirty="0" smtClean="0"/>
+          </a:p>
+          <a:p>
             <a:endParaRPr lang="en-US" dirty="0"/>
           </a:p>
         </p:txBody>
@@ -2970,11 +3018,43 @@
           <a:p>
             <a:r>
               <a:rPr lang="en-US" dirty="0" smtClean="0"/>
-              <a:t>The first one applies to us – we need to run it over a few seasons worth of matches to get </a:t>
-            </a:r>
-            <a:r>
-              <a:rPr lang="en-US" smtClean="0"/>
-              <a:t>accurate rankings</a:t>
+              <a:t>Based on probabilities of wins – if you’re expected to win and you lose then you get </a:t>
+            </a:r>
+            <a:r>
+              <a:rPr lang="en-US" dirty="0" err="1" smtClean="0"/>
+              <a:t>penalised</a:t>
+            </a:r>
+            <a:r>
+              <a:rPr lang="en-US" dirty="0" smtClean="0"/>
+              <a:t> quite</a:t>
+            </a:r>
+            <a:r>
+              <a:rPr lang="en-US" baseline="0" dirty="0" smtClean="0"/>
+              <a:t> heavily</a:t>
+            </a:r>
+          </a:p>
+          <a:p>
+            <a:r>
+              <a:rPr lang="en-US" dirty="0" err="1" smtClean="0"/>
+              <a:t>Elo's</a:t>
+            </a:r>
+            <a:r>
+              <a:rPr lang="en-US" dirty="0" smtClean="0"/>
+              <a:t> central assumption was that the chess performance of each player in each game is a normally distributed random variable.</a:t>
+            </a:r>
+          </a:p>
+          <a:p>
+            <a:r>
+              <a:rPr lang="en-US" dirty="0" smtClean="0"/>
+              <a:t>A 200 point rating difference means a player has a 75% chance</a:t>
+            </a:r>
+            <a:r>
+              <a:rPr lang="en-US" baseline="0" dirty="0" smtClean="0"/>
+              <a:t> </a:t>
+            </a:r>
+            <a:r>
+              <a:rPr lang="en-US" baseline="0" smtClean="0"/>
+              <a:t>of winning</a:t>
             </a:r>
             <a:endParaRPr lang="en-US" dirty="0"/>
           </a:p>
@@ -3062,11 +3142,19 @@
           <a:p>
             <a:r>
               <a:rPr lang="en-US" dirty="0" smtClean="0"/>
-              <a:t>The first one applies to us – we need to run it over a few seasons worth of matches to get </a:t>
-            </a:r>
-            <a:r>
-              <a:rPr lang="en-US" smtClean="0"/>
-              <a:t>accurate rankings</a:t>
+              <a:t>Based on probabilities of wins – if you’re expected to win and you lose then you get </a:t>
+            </a:r>
+            <a:r>
+              <a:rPr lang="en-US" dirty="0" err="1" smtClean="0"/>
+              <a:t>penalised</a:t>
+            </a:r>
+            <a:r>
+              <a:rPr lang="en-US" dirty="0" smtClean="0"/>
+              <a:t> quite</a:t>
+            </a:r>
+            <a:r>
+              <a:rPr lang="en-US" baseline="0" dirty="0" smtClean="0"/>
+              <a:t> heavily</a:t>
             </a:r>
             <a:endParaRPr lang="en-US" dirty="0"/>
           </a:p>
@@ -3154,7 +3242,11 @@
           <a:p>
             <a:r>
               <a:rPr lang="en-US" dirty="0" smtClean="0"/>
-              <a:t>The first one applies to us – we need to run it over a few seasons worth of matches to get accurate rankings</a:t>
+              <a:t>You don’t gain much if you win, but you lose a lot</a:t>
+            </a:r>
+            <a:r>
+              <a:rPr lang="en-US" baseline="0" dirty="0" smtClean="0"/>
+              <a:t> if you lose</a:t>
             </a:r>
             <a:endParaRPr lang="en-US" dirty="0"/>
           </a:p>
@@ -3242,11 +3334,11 @@
           <a:p>
             <a:r>
               <a:rPr lang="en-US" dirty="0" smtClean="0"/>
-              <a:t>The first one applies to us – we need to run it over a few seasons worth of matches to get </a:t>
-            </a:r>
-            <a:r>
-              <a:rPr lang="en-US" smtClean="0"/>
-              <a:t>accurate rankings</a:t>
+              <a:t>This is what the</a:t>
+            </a:r>
+            <a:r>
+              <a:rPr lang="en-US" baseline="0" dirty="0" smtClean="0"/>
+              <a:t> code looks like</a:t>
             </a:r>
             <a:endParaRPr lang="en-US" dirty="0"/>
           </a:p>
@@ -3270,6 +3362,182 @@
             <a:fld id="{6660ABC3-930E-AD4F-9D10-C22A876D97E3}" type="slidenum">
               <a:rPr lang="en-US" smtClean="0"/>
               <a:t>41</a:t>
+            </a:fld>
+            <a:endParaRPr lang="en-US"/>
+          </a:p>
+        </p:txBody>
+      </p:sp>
+    </p:spTree>
+    <p:extLst>
+      <p:ext uri="{BB962C8B-B14F-4D97-AF65-F5344CB8AC3E}">
+        <p14:creationId xmlns:p14="http://schemas.microsoft.com/office/powerpoint/2010/main" val="3839040640"/>
+      </p:ext>
+    </p:extLst>
+  </p:cSld>
+  <p:clrMapOvr>
+    <a:masterClrMapping/>
+  </p:clrMapOvr>
+</p:notes>
+</file>
+
+<file path=ppt/notesSlides/notesSlide38.xml><?xml version="1.0" encoding="utf-8"?>
+<p:notes xmlns:a="http://schemas.openxmlformats.org/drawingml/2006/main" xmlns:r="http://schemas.openxmlformats.org/officeDocument/2006/relationships" xmlns:p="http://schemas.openxmlformats.org/presentationml/2006/main">
+  <p:cSld>
+    <p:spTree>
+      <p:nvGrpSpPr>
+        <p:cNvPr id="1" name=""/>
+        <p:cNvGrpSpPr/>
+        <p:nvPr/>
+      </p:nvGrpSpPr>
+      <p:grpSpPr>
+        <a:xfrm>
+          <a:off x="0" y="0"/>
+          <a:ext cx="0" cy="0"/>
+          <a:chOff x="0" y="0"/>
+          <a:chExt cx="0" cy="0"/>
+        </a:xfrm>
+      </p:grpSpPr>
+      <p:sp>
+        <p:nvSpPr>
+          <p:cNvPr id="2" name="Slide Image Placeholder 1"/>
+          <p:cNvSpPr>
+            <a:spLocks noGrp="1" noRot="1" noChangeAspect="1"/>
+          </p:cNvSpPr>
+          <p:nvPr>
+            <p:ph type="sldImg"/>
+          </p:nvPr>
+        </p:nvSpPr>
+        <p:spPr/>
+      </p:sp>
+      <p:sp>
+        <p:nvSpPr>
+          <p:cNvPr id="3" name="Notes Placeholder 2"/>
+          <p:cNvSpPr>
+            <a:spLocks noGrp="1"/>
+          </p:cNvSpPr>
+          <p:nvPr>
+            <p:ph type="body" idx="1"/>
+          </p:nvPr>
+        </p:nvSpPr>
+        <p:spPr/>
+        <p:txBody>
+          <a:bodyPr/>
+          <a:lstStyle/>
+          <a:p>
+            <a:endParaRPr lang="en-US" dirty="0"/>
+          </a:p>
+        </p:txBody>
+      </p:sp>
+      <p:sp>
+        <p:nvSpPr>
+          <p:cNvPr id="4" name="Slide Number Placeholder 3"/>
+          <p:cNvSpPr>
+            <a:spLocks noGrp="1"/>
+          </p:cNvSpPr>
+          <p:nvPr>
+            <p:ph type="sldNum" sz="quarter" idx="10"/>
+          </p:nvPr>
+        </p:nvSpPr>
+        <p:spPr/>
+        <p:txBody>
+          <a:bodyPr/>
+          <a:lstStyle/>
+          <a:p>
+            <a:fld id="{6660ABC3-930E-AD4F-9D10-C22A876D97E3}" type="slidenum">
+              <a:rPr lang="en-US" smtClean="0"/>
+              <a:t>42</a:t>
+            </a:fld>
+            <a:endParaRPr lang="en-US"/>
+          </a:p>
+        </p:txBody>
+      </p:sp>
+    </p:spTree>
+    <p:extLst>
+      <p:ext uri="{BB962C8B-B14F-4D97-AF65-F5344CB8AC3E}">
+        <p14:creationId xmlns:p14="http://schemas.microsoft.com/office/powerpoint/2010/main" val="3839040640"/>
+      </p:ext>
+    </p:extLst>
+  </p:cSld>
+  <p:clrMapOvr>
+    <a:masterClrMapping/>
+  </p:clrMapOvr>
+</p:notes>
+</file>
+
+<file path=ppt/notesSlides/notesSlide39.xml><?xml version="1.0" encoding="utf-8"?>
+<p:notes xmlns:a="http://schemas.openxmlformats.org/drawingml/2006/main" xmlns:r="http://schemas.openxmlformats.org/officeDocument/2006/relationships" xmlns:p="http://schemas.openxmlformats.org/presentationml/2006/main">
+  <p:cSld>
+    <p:spTree>
+      <p:nvGrpSpPr>
+        <p:cNvPr id="1" name=""/>
+        <p:cNvGrpSpPr/>
+        <p:nvPr/>
+      </p:nvGrpSpPr>
+      <p:grpSpPr>
+        <a:xfrm>
+          <a:off x="0" y="0"/>
+          <a:ext cx="0" cy="0"/>
+          <a:chOff x="0" y="0"/>
+          <a:chExt cx="0" cy="0"/>
+        </a:xfrm>
+      </p:grpSpPr>
+      <p:sp>
+        <p:nvSpPr>
+          <p:cNvPr id="2" name="Slide Image Placeholder 1"/>
+          <p:cNvSpPr>
+            <a:spLocks noGrp="1" noRot="1" noChangeAspect="1"/>
+          </p:cNvSpPr>
+          <p:nvPr>
+            <p:ph type="sldImg"/>
+          </p:nvPr>
+        </p:nvSpPr>
+        <p:spPr/>
+      </p:sp>
+      <p:sp>
+        <p:nvSpPr>
+          <p:cNvPr id="3" name="Notes Placeholder 2"/>
+          <p:cNvSpPr>
+            <a:spLocks noGrp="1"/>
+          </p:cNvSpPr>
+          <p:nvPr>
+            <p:ph type="body" idx="1"/>
+          </p:nvPr>
+        </p:nvSpPr>
+        <p:spPr/>
+        <p:txBody>
+          <a:bodyPr/>
+          <a:lstStyle/>
+          <a:p>
+            <a:r>
+              <a:rPr lang="en-US" dirty="0" smtClean="0"/>
+              <a:t>If you lose then you get massively </a:t>
+            </a:r>
+            <a:r>
+              <a:rPr lang="en-US" dirty="0" err="1" smtClean="0"/>
+              <a:t>penalised</a:t>
+            </a:r>
+            <a:endParaRPr lang="en-US" dirty="0"/>
+          </a:p>
+        </p:txBody>
+      </p:sp>
+      <p:sp>
+        <p:nvSpPr>
+          <p:cNvPr id="4" name="Slide Number Placeholder 3"/>
+          <p:cNvSpPr>
+            <a:spLocks noGrp="1"/>
+          </p:cNvSpPr>
+          <p:nvPr>
+            <p:ph type="sldNum" sz="quarter" idx="10"/>
+          </p:nvPr>
+        </p:nvSpPr>
+        <p:spPr/>
+        <p:txBody>
+          <a:bodyPr/>
+          <a:lstStyle/>
+          <a:p>
+            <a:fld id="{6660ABC3-930E-AD4F-9D10-C22A876D97E3}" type="slidenum">
+              <a:rPr lang="en-US" smtClean="0"/>
+              <a:t>43</a:t>
             </a:fld>
             <a:endParaRPr lang="en-US"/>
           </a:p>
@@ -3361,6 +3629,816 @@
             <a:fld id="{6660ABC3-930E-AD4F-9D10-C22A876D97E3}" type="slidenum">
               <a:rPr lang="en-US" smtClean="0"/>
               <a:t>8</a:t>
+            </a:fld>
+            <a:endParaRPr lang="en-US"/>
+          </a:p>
+        </p:txBody>
+      </p:sp>
+    </p:spTree>
+    <p:extLst>
+      <p:ext uri="{BB962C8B-B14F-4D97-AF65-F5344CB8AC3E}">
+        <p14:creationId xmlns:p14="http://schemas.microsoft.com/office/powerpoint/2010/main" val="3839040640"/>
+      </p:ext>
+    </p:extLst>
+  </p:cSld>
+  <p:clrMapOvr>
+    <a:masterClrMapping/>
+  </p:clrMapOvr>
+</p:notes>
+</file>
+
+<file path=ppt/notesSlides/notesSlide40.xml><?xml version="1.0" encoding="utf-8"?>
+<p:notes xmlns:a="http://schemas.openxmlformats.org/drawingml/2006/main" xmlns:r="http://schemas.openxmlformats.org/officeDocument/2006/relationships" xmlns:p="http://schemas.openxmlformats.org/presentationml/2006/main">
+  <p:cSld>
+    <p:spTree>
+      <p:nvGrpSpPr>
+        <p:cNvPr id="1" name=""/>
+        <p:cNvGrpSpPr/>
+        <p:nvPr/>
+      </p:nvGrpSpPr>
+      <p:grpSpPr>
+        <a:xfrm>
+          <a:off x="0" y="0"/>
+          <a:ext cx="0" cy="0"/>
+          <a:chOff x="0" y="0"/>
+          <a:chExt cx="0" cy="0"/>
+        </a:xfrm>
+      </p:grpSpPr>
+      <p:sp>
+        <p:nvSpPr>
+          <p:cNvPr id="2" name="Slide Image Placeholder 1"/>
+          <p:cNvSpPr>
+            <a:spLocks noGrp="1" noRot="1" noChangeAspect="1"/>
+          </p:cNvSpPr>
+          <p:nvPr>
+            <p:ph type="sldImg"/>
+          </p:nvPr>
+        </p:nvSpPr>
+        <p:spPr/>
+      </p:sp>
+      <p:sp>
+        <p:nvSpPr>
+          <p:cNvPr id="3" name="Notes Placeholder 2"/>
+          <p:cNvSpPr>
+            <a:spLocks noGrp="1"/>
+          </p:cNvSpPr>
+          <p:nvPr>
+            <p:ph type="body" idx="1"/>
+          </p:nvPr>
+        </p:nvSpPr>
+        <p:spPr/>
+        <p:txBody>
+          <a:bodyPr/>
+          <a:lstStyle/>
+          <a:p>
+            <a:r>
+              <a:rPr lang="en-US" dirty="0" smtClean="0"/>
+              <a:t>If you lose then you get massively </a:t>
+            </a:r>
+            <a:r>
+              <a:rPr lang="en-US" dirty="0" err="1" smtClean="0"/>
+              <a:t>penalised</a:t>
+            </a:r>
+            <a:endParaRPr lang="en-US" dirty="0"/>
+          </a:p>
+        </p:txBody>
+      </p:sp>
+      <p:sp>
+        <p:nvSpPr>
+          <p:cNvPr id="4" name="Slide Number Placeholder 3"/>
+          <p:cNvSpPr>
+            <a:spLocks noGrp="1"/>
+          </p:cNvSpPr>
+          <p:nvPr>
+            <p:ph type="sldNum" sz="quarter" idx="10"/>
+          </p:nvPr>
+        </p:nvSpPr>
+        <p:spPr/>
+        <p:txBody>
+          <a:bodyPr/>
+          <a:lstStyle/>
+          <a:p>
+            <a:fld id="{6660ABC3-930E-AD4F-9D10-C22A876D97E3}" type="slidenum">
+              <a:rPr lang="en-US" smtClean="0"/>
+              <a:t>44</a:t>
+            </a:fld>
+            <a:endParaRPr lang="en-US"/>
+          </a:p>
+        </p:txBody>
+      </p:sp>
+    </p:spTree>
+    <p:extLst>
+      <p:ext uri="{BB962C8B-B14F-4D97-AF65-F5344CB8AC3E}">
+        <p14:creationId xmlns:p14="http://schemas.microsoft.com/office/powerpoint/2010/main" val="3839040640"/>
+      </p:ext>
+    </p:extLst>
+  </p:cSld>
+  <p:clrMapOvr>
+    <a:masterClrMapping/>
+  </p:clrMapOvr>
+</p:notes>
+</file>
+
+<file path=ppt/notesSlides/notesSlide41.xml><?xml version="1.0" encoding="utf-8"?>
+<p:notes xmlns:a="http://schemas.openxmlformats.org/drawingml/2006/main" xmlns:r="http://schemas.openxmlformats.org/officeDocument/2006/relationships" xmlns:p="http://schemas.openxmlformats.org/presentationml/2006/main">
+  <p:cSld>
+    <p:spTree>
+      <p:nvGrpSpPr>
+        <p:cNvPr id="1" name=""/>
+        <p:cNvGrpSpPr/>
+        <p:nvPr/>
+      </p:nvGrpSpPr>
+      <p:grpSpPr>
+        <a:xfrm>
+          <a:off x="0" y="0"/>
+          <a:ext cx="0" cy="0"/>
+          <a:chOff x="0" y="0"/>
+          <a:chExt cx="0" cy="0"/>
+        </a:xfrm>
+      </p:grpSpPr>
+      <p:sp>
+        <p:nvSpPr>
+          <p:cNvPr id="2" name="Slide Image Placeholder 1"/>
+          <p:cNvSpPr>
+            <a:spLocks noGrp="1" noRot="1" noChangeAspect="1"/>
+          </p:cNvSpPr>
+          <p:nvPr>
+            <p:ph type="sldImg"/>
+          </p:nvPr>
+        </p:nvSpPr>
+        <p:spPr/>
+      </p:sp>
+      <p:sp>
+        <p:nvSpPr>
+          <p:cNvPr id="3" name="Notes Placeholder 2"/>
+          <p:cNvSpPr>
+            <a:spLocks noGrp="1"/>
+          </p:cNvSpPr>
+          <p:nvPr>
+            <p:ph type="body" idx="1"/>
+          </p:nvPr>
+        </p:nvSpPr>
+        <p:spPr/>
+        <p:txBody>
+          <a:bodyPr/>
+          <a:lstStyle/>
+          <a:p>
+            <a:r>
+              <a:rPr lang="en-US" dirty="0" smtClean="0"/>
+              <a:t>Base rating – we put everyone at the same rating initially</a:t>
+            </a:r>
+          </a:p>
+          <a:p>
+            <a:r>
+              <a:rPr lang="en-US" dirty="0" smtClean="0"/>
+              <a:t>Which means if you beat Barcelona right at the beginning </a:t>
+            </a:r>
+          </a:p>
+          <a:p>
+            <a:r>
+              <a:rPr lang="en-US" dirty="0" smtClean="0"/>
+              <a:t>Then it’s the same as beating another weaker team</a:t>
+            </a:r>
+          </a:p>
+          <a:p>
+            <a:endParaRPr lang="en-US" dirty="0"/>
+          </a:p>
+        </p:txBody>
+      </p:sp>
+      <p:sp>
+        <p:nvSpPr>
+          <p:cNvPr id="4" name="Slide Number Placeholder 3"/>
+          <p:cNvSpPr>
+            <a:spLocks noGrp="1"/>
+          </p:cNvSpPr>
+          <p:nvPr>
+            <p:ph type="sldNum" sz="quarter" idx="10"/>
+          </p:nvPr>
+        </p:nvSpPr>
+        <p:spPr/>
+        <p:txBody>
+          <a:bodyPr/>
+          <a:lstStyle/>
+          <a:p>
+            <a:fld id="{6660ABC3-930E-AD4F-9D10-C22A876D97E3}" type="slidenum">
+              <a:rPr lang="en-US" smtClean="0"/>
+              <a:t>45</a:t>
+            </a:fld>
+            <a:endParaRPr lang="en-US"/>
+          </a:p>
+        </p:txBody>
+      </p:sp>
+    </p:spTree>
+    <p:extLst>
+      <p:ext uri="{BB962C8B-B14F-4D97-AF65-F5344CB8AC3E}">
+        <p14:creationId xmlns:p14="http://schemas.microsoft.com/office/powerpoint/2010/main" val="3839040640"/>
+      </p:ext>
+    </p:extLst>
+  </p:cSld>
+  <p:clrMapOvr>
+    <a:masterClrMapping/>
+  </p:clrMapOvr>
+</p:notes>
+</file>
+
+<file path=ppt/notesSlides/notesSlide42.xml><?xml version="1.0" encoding="utf-8"?>
+<p:notes xmlns:a="http://schemas.openxmlformats.org/drawingml/2006/main" xmlns:r="http://schemas.openxmlformats.org/officeDocument/2006/relationships" xmlns:p="http://schemas.openxmlformats.org/presentationml/2006/main">
+  <p:cSld>
+    <p:spTree>
+      <p:nvGrpSpPr>
+        <p:cNvPr id="1" name=""/>
+        <p:cNvGrpSpPr/>
+        <p:nvPr/>
+      </p:nvGrpSpPr>
+      <p:grpSpPr>
+        <a:xfrm>
+          <a:off x="0" y="0"/>
+          <a:ext cx="0" cy="0"/>
+          <a:chOff x="0" y="0"/>
+          <a:chExt cx="0" cy="0"/>
+        </a:xfrm>
+      </p:grpSpPr>
+      <p:sp>
+        <p:nvSpPr>
+          <p:cNvPr id="2" name="Slide Image Placeholder 1"/>
+          <p:cNvSpPr>
+            <a:spLocks noGrp="1" noRot="1" noChangeAspect="1"/>
+          </p:cNvSpPr>
+          <p:nvPr>
+            <p:ph type="sldImg"/>
+          </p:nvPr>
+        </p:nvSpPr>
+        <p:spPr/>
+      </p:sp>
+      <p:sp>
+        <p:nvSpPr>
+          <p:cNvPr id="3" name="Notes Placeholder 2"/>
+          <p:cNvSpPr>
+            <a:spLocks noGrp="1"/>
+          </p:cNvSpPr>
+          <p:nvPr>
+            <p:ph type="body" idx="1"/>
+          </p:nvPr>
+        </p:nvSpPr>
+        <p:spPr/>
+        <p:txBody>
+          <a:bodyPr/>
+          <a:lstStyle/>
+          <a:p>
+            <a:r>
+              <a:rPr lang="en-US" dirty="0" smtClean="0"/>
+              <a:t>We’ll build</a:t>
+            </a:r>
+            <a:r>
+              <a:rPr lang="en-US" baseline="0" dirty="0" smtClean="0"/>
+              <a:t> a base rating for teams from the previous 9 seasons</a:t>
+            </a:r>
+            <a:endParaRPr lang="en-US" dirty="0" smtClean="0"/>
+          </a:p>
+          <a:p>
+            <a:r>
+              <a:rPr lang="en-US" dirty="0" smtClean="0"/>
+              <a:t>We include</a:t>
+            </a:r>
+            <a:r>
+              <a:rPr lang="en-US" baseline="0" dirty="0" smtClean="0"/>
+              <a:t> all the matches from 2004 until 2012 to get base ratings that we can use for 2012/2013</a:t>
+            </a:r>
+          </a:p>
+          <a:p>
+            <a:pPr marL="0" marR="0" indent="0" algn="l" defTabSz="457200" rtl="0" eaLnBrk="1" fontAlgn="auto" latinLnBrk="0" hangingPunct="1">
+              <a:lnSpc>
+                <a:spcPct val="100000"/>
+              </a:lnSpc>
+              <a:spcBef>
+                <a:spcPts val="0"/>
+              </a:spcBef>
+              <a:spcAft>
+                <a:spcPts val="0"/>
+              </a:spcAft>
+              <a:buClrTx/>
+              <a:buSzTx/>
+              <a:buFontTx/>
+              <a:buNone/>
+              <a:tabLst/>
+              <a:defRPr/>
+            </a:pPr>
+            <a:r>
+              <a:rPr lang="en-US" dirty="0" smtClean="0"/>
+              <a:t>The ranking of some teams</a:t>
+            </a:r>
+            <a:r>
+              <a:rPr lang="en-US" baseline="0" dirty="0" smtClean="0"/>
+              <a:t> that didn’t even participate is higher than those that did!</a:t>
+            </a:r>
+          </a:p>
+        </p:txBody>
+      </p:sp>
+      <p:sp>
+        <p:nvSpPr>
+          <p:cNvPr id="4" name="Slide Number Placeholder 3"/>
+          <p:cNvSpPr>
+            <a:spLocks noGrp="1"/>
+          </p:cNvSpPr>
+          <p:nvPr>
+            <p:ph type="sldNum" sz="quarter" idx="10"/>
+          </p:nvPr>
+        </p:nvSpPr>
+        <p:spPr/>
+        <p:txBody>
+          <a:bodyPr/>
+          <a:lstStyle/>
+          <a:p>
+            <a:fld id="{6660ABC3-930E-AD4F-9D10-C22A876D97E3}" type="slidenum">
+              <a:rPr lang="en-US" smtClean="0"/>
+              <a:t>46</a:t>
+            </a:fld>
+            <a:endParaRPr lang="en-US"/>
+          </a:p>
+        </p:txBody>
+      </p:sp>
+    </p:spTree>
+    <p:extLst>
+      <p:ext uri="{BB962C8B-B14F-4D97-AF65-F5344CB8AC3E}">
+        <p14:creationId xmlns:p14="http://schemas.microsoft.com/office/powerpoint/2010/main" val="3839040640"/>
+      </p:ext>
+    </p:extLst>
+  </p:cSld>
+  <p:clrMapOvr>
+    <a:masterClrMapping/>
+  </p:clrMapOvr>
+</p:notes>
+</file>
+
+<file path=ppt/notesSlides/notesSlide43.xml><?xml version="1.0" encoding="utf-8"?>
+<p:notes xmlns:a="http://schemas.openxmlformats.org/drawingml/2006/main" xmlns:r="http://schemas.openxmlformats.org/officeDocument/2006/relationships" xmlns:p="http://schemas.openxmlformats.org/presentationml/2006/main">
+  <p:cSld>
+    <p:spTree>
+      <p:nvGrpSpPr>
+        <p:cNvPr id="1" name=""/>
+        <p:cNvGrpSpPr/>
+        <p:nvPr/>
+      </p:nvGrpSpPr>
+      <p:grpSpPr>
+        <a:xfrm>
+          <a:off x="0" y="0"/>
+          <a:ext cx="0" cy="0"/>
+          <a:chOff x="0" y="0"/>
+          <a:chExt cx="0" cy="0"/>
+        </a:xfrm>
+      </p:grpSpPr>
+      <p:sp>
+        <p:nvSpPr>
+          <p:cNvPr id="2" name="Slide Image Placeholder 1"/>
+          <p:cNvSpPr>
+            <a:spLocks noGrp="1" noRot="1" noChangeAspect="1"/>
+          </p:cNvSpPr>
+          <p:nvPr>
+            <p:ph type="sldImg"/>
+          </p:nvPr>
+        </p:nvSpPr>
+        <p:spPr/>
+      </p:sp>
+      <p:sp>
+        <p:nvSpPr>
+          <p:cNvPr id="3" name="Notes Placeholder 2"/>
+          <p:cNvSpPr>
+            <a:spLocks noGrp="1"/>
+          </p:cNvSpPr>
+          <p:nvPr>
+            <p:ph type="body" idx="1"/>
+          </p:nvPr>
+        </p:nvSpPr>
+        <p:spPr/>
+        <p:txBody>
+          <a:bodyPr/>
+          <a:lstStyle/>
+          <a:p>
+            <a:pPr marL="0" marR="0" indent="0" algn="l" defTabSz="457200" rtl="0" eaLnBrk="1" fontAlgn="auto" latinLnBrk="0" hangingPunct="1">
+              <a:lnSpc>
+                <a:spcPct val="100000"/>
+              </a:lnSpc>
+              <a:spcBef>
+                <a:spcPts val="0"/>
+              </a:spcBef>
+              <a:spcAft>
+                <a:spcPts val="0"/>
+              </a:spcAft>
+              <a:buClrTx/>
+              <a:buSzTx/>
+              <a:buFontTx/>
+              <a:buNone/>
+              <a:tabLst/>
+              <a:defRPr/>
+            </a:pPr>
+            <a:r>
+              <a:rPr lang="en-US" dirty="0" smtClean="0"/>
+              <a:t>Which</a:t>
+            </a:r>
+            <a:r>
+              <a:rPr lang="en-US" baseline="0" dirty="0" smtClean="0"/>
+              <a:t> means that for the teams participating in last year’s Champions League we end up with the following</a:t>
+            </a:r>
+            <a:endParaRPr lang="en-US" dirty="0" smtClean="0"/>
+          </a:p>
+          <a:p>
+            <a:endParaRPr lang="en-US" dirty="0" smtClean="0"/>
+          </a:p>
+        </p:txBody>
+      </p:sp>
+      <p:sp>
+        <p:nvSpPr>
+          <p:cNvPr id="4" name="Slide Number Placeholder 3"/>
+          <p:cNvSpPr>
+            <a:spLocks noGrp="1"/>
+          </p:cNvSpPr>
+          <p:nvPr>
+            <p:ph type="sldNum" sz="quarter" idx="10"/>
+          </p:nvPr>
+        </p:nvSpPr>
+        <p:spPr/>
+        <p:txBody>
+          <a:bodyPr/>
+          <a:lstStyle/>
+          <a:p>
+            <a:fld id="{6660ABC3-930E-AD4F-9D10-C22A876D97E3}" type="slidenum">
+              <a:rPr lang="en-US" smtClean="0"/>
+              <a:t>47</a:t>
+            </a:fld>
+            <a:endParaRPr lang="en-US"/>
+          </a:p>
+        </p:txBody>
+      </p:sp>
+    </p:spTree>
+    <p:extLst>
+      <p:ext uri="{BB962C8B-B14F-4D97-AF65-F5344CB8AC3E}">
+        <p14:creationId xmlns:p14="http://schemas.microsoft.com/office/powerpoint/2010/main" val="3839040640"/>
+      </p:ext>
+    </p:extLst>
+  </p:cSld>
+  <p:clrMapOvr>
+    <a:masterClrMapping/>
+  </p:clrMapOvr>
+</p:notes>
+</file>
+
+<file path=ppt/notesSlides/notesSlide44.xml><?xml version="1.0" encoding="utf-8"?>
+<p:notes xmlns:a="http://schemas.openxmlformats.org/drawingml/2006/main" xmlns:r="http://schemas.openxmlformats.org/officeDocument/2006/relationships" xmlns:p="http://schemas.openxmlformats.org/presentationml/2006/main">
+  <p:cSld>
+    <p:spTree>
+      <p:nvGrpSpPr>
+        <p:cNvPr id="1" name=""/>
+        <p:cNvGrpSpPr/>
+        <p:nvPr/>
+      </p:nvGrpSpPr>
+      <p:grpSpPr>
+        <a:xfrm>
+          <a:off x="0" y="0"/>
+          <a:ext cx="0" cy="0"/>
+          <a:chOff x="0" y="0"/>
+          <a:chExt cx="0" cy="0"/>
+        </a:xfrm>
+      </p:grpSpPr>
+      <p:sp>
+        <p:nvSpPr>
+          <p:cNvPr id="2" name="Slide Image Placeholder 1"/>
+          <p:cNvSpPr>
+            <a:spLocks noGrp="1" noRot="1" noChangeAspect="1"/>
+          </p:cNvSpPr>
+          <p:nvPr>
+            <p:ph type="sldImg"/>
+          </p:nvPr>
+        </p:nvSpPr>
+        <p:spPr/>
+      </p:sp>
+      <p:sp>
+        <p:nvSpPr>
+          <p:cNvPr id="3" name="Notes Placeholder 2"/>
+          <p:cNvSpPr>
+            <a:spLocks noGrp="1"/>
+          </p:cNvSpPr>
+          <p:nvPr>
+            <p:ph type="body" idx="1"/>
+          </p:nvPr>
+        </p:nvSpPr>
+        <p:spPr/>
+        <p:txBody>
+          <a:bodyPr/>
+          <a:lstStyle/>
+          <a:p>
+            <a:r>
+              <a:rPr lang="en-US" dirty="0" smtClean="0"/>
+              <a:t>The ranking of some teams</a:t>
+            </a:r>
+            <a:r>
+              <a:rPr lang="en-US" baseline="0" dirty="0" smtClean="0"/>
+              <a:t> that didn’t even participate is higher than those that did! </a:t>
+            </a:r>
+            <a:endParaRPr lang="en-US" dirty="0" smtClean="0"/>
+          </a:p>
+          <a:p>
+            <a:r>
+              <a:rPr lang="en-US" dirty="0" smtClean="0"/>
+              <a:t>Which</a:t>
+            </a:r>
+            <a:r>
+              <a:rPr lang="en-US" baseline="0" dirty="0" smtClean="0"/>
+              <a:t> means that for the teams participating in last year’s Champions League we end up with the following</a:t>
+            </a:r>
+            <a:endParaRPr lang="en-US" dirty="0"/>
+          </a:p>
+        </p:txBody>
+      </p:sp>
+      <p:sp>
+        <p:nvSpPr>
+          <p:cNvPr id="4" name="Slide Number Placeholder 3"/>
+          <p:cNvSpPr>
+            <a:spLocks noGrp="1"/>
+          </p:cNvSpPr>
+          <p:nvPr>
+            <p:ph type="sldNum" sz="quarter" idx="10"/>
+          </p:nvPr>
+        </p:nvSpPr>
+        <p:spPr/>
+        <p:txBody>
+          <a:bodyPr/>
+          <a:lstStyle/>
+          <a:p>
+            <a:fld id="{6660ABC3-930E-AD4F-9D10-C22A876D97E3}" type="slidenum">
+              <a:rPr lang="en-US" smtClean="0"/>
+              <a:t>48</a:t>
+            </a:fld>
+            <a:endParaRPr lang="en-US"/>
+          </a:p>
+        </p:txBody>
+      </p:sp>
+    </p:spTree>
+    <p:extLst>
+      <p:ext uri="{BB962C8B-B14F-4D97-AF65-F5344CB8AC3E}">
+        <p14:creationId xmlns:p14="http://schemas.microsoft.com/office/powerpoint/2010/main" val="3839040640"/>
+      </p:ext>
+    </p:extLst>
+  </p:cSld>
+  <p:clrMapOvr>
+    <a:masterClrMapping/>
+  </p:clrMapOvr>
+</p:notes>
+</file>
+
+<file path=ppt/notesSlides/notesSlide45.xml><?xml version="1.0" encoding="utf-8"?>
+<p:notes xmlns:a="http://schemas.openxmlformats.org/drawingml/2006/main" xmlns:r="http://schemas.openxmlformats.org/officeDocument/2006/relationships" xmlns:p="http://schemas.openxmlformats.org/presentationml/2006/main">
+  <p:cSld>
+    <p:spTree>
+      <p:nvGrpSpPr>
+        <p:cNvPr id="1" name=""/>
+        <p:cNvGrpSpPr/>
+        <p:nvPr/>
+      </p:nvGrpSpPr>
+      <p:grpSpPr>
+        <a:xfrm>
+          <a:off x="0" y="0"/>
+          <a:ext cx="0" cy="0"/>
+          <a:chOff x="0" y="0"/>
+          <a:chExt cx="0" cy="0"/>
+        </a:xfrm>
+      </p:grpSpPr>
+      <p:sp>
+        <p:nvSpPr>
+          <p:cNvPr id="2" name="Slide Image Placeholder 1"/>
+          <p:cNvSpPr>
+            <a:spLocks noGrp="1" noRot="1" noChangeAspect="1"/>
+          </p:cNvSpPr>
+          <p:nvPr>
+            <p:ph type="sldImg"/>
+          </p:nvPr>
+        </p:nvSpPr>
+        <p:spPr/>
+      </p:sp>
+      <p:sp>
+        <p:nvSpPr>
+          <p:cNvPr id="3" name="Notes Placeholder 2"/>
+          <p:cNvSpPr>
+            <a:spLocks noGrp="1"/>
+          </p:cNvSpPr>
+          <p:nvPr>
+            <p:ph type="body" idx="1"/>
+          </p:nvPr>
+        </p:nvSpPr>
+        <p:spPr/>
+        <p:txBody>
+          <a:bodyPr/>
+          <a:lstStyle/>
+          <a:p>
+            <a:r>
+              <a:rPr lang="en-US" dirty="0" smtClean="0"/>
+              <a:t>The first one applies to us – we need to run it over a few seasons worth of matches to get accurate rankings</a:t>
+            </a:r>
+            <a:endParaRPr lang="en-US" dirty="0"/>
+          </a:p>
+        </p:txBody>
+      </p:sp>
+      <p:sp>
+        <p:nvSpPr>
+          <p:cNvPr id="4" name="Slide Number Placeholder 3"/>
+          <p:cNvSpPr>
+            <a:spLocks noGrp="1"/>
+          </p:cNvSpPr>
+          <p:nvPr>
+            <p:ph type="sldNum" sz="quarter" idx="10"/>
+          </p:nvPr>
+        </p:nvSpPr>
+        <p:spPr/>
+        <p:txBody>
+          <a:bodyPr/>
+          <a:lstStyle/>
+          <a:p>
+            <a:fld id="{6660ABC3-930E-AD4F-9D10-C22A876D97E3}" type="slidenum">
+              <a:rPr lang="en-US" smtClean="0"/>
+              <a:t>49</a:t>
+            </a:fld>
+            <a:endParaRPr lang="en-US"/>
+          </a:p>
+        </p:txBody>
+      </p:sp>
+    </p:spTree>
+    <p:extLst>
+      <p:ext uri="{BB962C8B-B14F-4D97-AF65-F5344CB8AC3E}">
+        <p14:creationId xmlns:p14="http://schemas.microsoft.com/office/powerpoint/2010/main" val="3839040640"/>
+      </p:ext>
+    </p:extLst>
+  </p:cSld>
+  <p:clrMapOvr>
+    <a:masterClrMapping/>
+  </p:clrMapOvr>
+</p:notes>
+</file>
+
+<file path=ppt/notesSlides/notesSlide46.xml><?xml version="1.0" encoding="utf-8"?>
+<p:notes xmlns:a="http://schemas.openxmlformats.org/drawingml/2006/main" xmlns:r="http://schemas.openxmlformats.org/officeDocument/2006/relationships" xmlns:p="http://schemas.openxmlformats.org/presentationml/2006/main">
+  <p:cSld>
+    <p:spTree>
+      <p:nvGrpSpPr>
+        <p:cNvPr id="1" name=""/>
+        <p:cNvGrpSpPr/>
+        <p:nvPr/>
+      </p:nvGrpSpPr>
+      <p:grpSpPr>
+        <a:xfrm>
+          <a:off x="0" y="0"/>
+          <a:ext cx="0" cy="0"/>
+          <a:chOff x="0" y="0"/>
+          <a:chExt cx="0" cy="0"/>
+        </a:xfrm>
+      </p:grpSpPr>
+      <p:sp>
+        <p:nvSpPr>
+          <p:cNvPr id="2" name="Slide Image Placeholder 1"/>
+          <p:cNvSpPr>
+            <a:spLocks noGrp="1" noRot="1" noChangeAspect="1"/>
+          </p:cNvSpPr>
+          <p:nvPr>
+            <p:ph type="sldImg"/>
+          </p:nvPr>
+        </p:nvSpPr>
+        <p:spPr/>
+      </p:sp>
+      <p:sp>
+        <p:nvSpPr>
+          <p:cNvPr id="3" name="Notes Placeholder 2"/>
+          <p:cNvSpPr>
+            <a:spLocks noGrp="1"/>
+          </p:cNvSpPr>
+          <p:nvPr>
+            <p:ph type="body" idx="1"/>
+          </p:nvPr>
+        </p:nvSpPr>
+        <p:spPr/>
+        <p:txBody>
+          <a:bodyPr/>
+          <a:lstStyle/>
+          <a:p>
+            <a:r>
+              <a:rPr lang="en-US" dirty="0" smtClean="0"/>
+              <a:t>The first one applies to us – we need to run it over a few seasons worth of matches to get </a:t>
+            </a:r>
+            <a:r>
+              <a:rPr lang="en-US" smtClean="0"/>
+              <a:t>accurate rankings</a:t>
+            </a:r>
+            <a:endParaRPr lang="en-US" dirty="0"/>
+          </a:p>
+        </p:txBody>
+      </p:sp>
+      <p:sp>
+        <p:nvSpPr>
+          <p:cNvPr id="4" name="Slide Number Placeholder 3"/>
+          <p:cNvSpPr>
+            <a:spLocks noGrp="1"/>
+          </p:cNvSpPr>
+          <p:nvPr>
+            <p:ph type="sldNum" sz="quarter" idx="10"/>
+          </p:nvPr>
+        </p:nvSpPr>
+        <p:spPr/>
+        <p:txBody>
+          <a:bodyPr/>
+          <a:lstStyle/>
+          <a:p>
+            <a:fld id="{6660ABC3-930E-AD4F-9D10-C22A876D97E3}" type="slidenum">
+              <a:rPr lang="en-US" smtClean="0"/>
+              <a:t>50</a:t>
+            </a:fld>
+            <a:endParaRPr lang="en-US"/>
+          </a:p>
+        </p:txBody>
+      </p:sp>
+    </p:spTree>
+    <p:extLst>
+      <p:ext uri="{BB962C8B-B14F-4D97-AF65-F5344CB8AC3E}">
+        <p14:creationId xmlns:p14="http://schemas.microsoft.com/office/powerpoint/2010/main" val="3839040640"/>
+      </p:ext>
+    </p:extLst>
+  </p:cSld>
+  <p:clrMapOvr>
+    <a:masterClrMapping/>
+  </p:clrMapOvr>
+</p:notes>
+</file>
+
+<file path=ppt/notesSlides/notesSlide47.xml><?xml version="1.0" encoding="utf-8"?>
+<p:notes xmlns:a="http://schemas.openxmlformats.org/drawingml/2006/main" xmlns:r="http://schemas.openxmlformats.org/officeDocument/2006/relationships" xmlns:p="http://schemas.openxmlformats.org/presentationml/2006/main">
+  <p:cSld>
+    <p:spTree>
+      <p:nvGrpSpPr>
+        <p:cNvPr id="1" name=""/>
+        <p:cNvGrpSpPr/>
+        <p:nvPr/>
+      </p:nvGrpSpPr>
+      <p:grpSpPr>
+        <a:xfrm>
+          <a:off x="0" y="0"/>
+          <a:ext cx="0" cy="0"/>
+          <a:chOff x="0" y="0"/>
+          <a:chExt cx="0" cy="0"/>
+        </a:xfrm>
+      </p:grpSpPr>
+      <p:sp>
+        <p:nvSpPr>
+          <p:cNvPr id="2" name="Slide Image Placeholder 1"/>
+          <p:cNvSpPr>
+            <a:spLocks noGrp="1" noRot="1" noChangeAspect="1"/>
+          </p:cNvSpPr>
+          <p:nvPr>
+            <p:ph type="sldImg"/>
+          </p:nvPr>
+        </p:nvSpPr>
+        <p:spPr/>
+      </p:sp>
+      <p:sp>
+        <p:nvSpPr>
+          <p:cNvPr id="3" name="Notes Placeholder 2"/>
+          <p:cNvSpPr>
+            <a:spLocks noGrp="1"/>
+          </p:cNvSpPr>
+          <p:nvPr>
+            <p:ph type="body" idx="1"/>
+          </p:nvPr>
+        </p:nvSpPr>
+        <p:spPr/>
+        <p:txBody>
+          <a:bodyPr/>
+          <a:lstStyle/>
+          <a:p>
+            <a:r>
+              <a:rPr lang="en-US" dirty="0" smtClean="0"/>
+              <a:t>The first one applies to us – we need to run it over a few seasons worth of matches to get </a:t>
+            </a:r>
+            <a:r>
+              <a:rPr lang="en-US" smtClean="0"/>
+              <a:t>accurate rankings</a:t>
+            </a:r>
+            <a:endParaRPr lang="en-US" dirty="0"/>
+          </a:p>
+        </p:txBody>
+      </p:sp>
+      <p:sp>
+        <p:nvSpPr>
+          <p:cNvPr id="4" name="Slide Number Placeholder 3"/>
+          <p:cNvSpPr>
+            <a:spLocks noGrp="1"/>
+          </p:cNvSpPr>
+          <p:nvPr>
+            <p:ph type="sldNum" sz="quarter" idx="10"/>
+          </p:nvPr>
+        </p:nvSpPr>
+        <p:spPr/>
+        <p:txBody>
+          <a:bodyPr/>
+          <a:lstStyle/>
+          <a:p>
+            <a:fld id="{6660ABC3-930E-AD4F-9D10-C22A876D97E3}" type="slidenum">
+              <a:rPr lang="en-US" smtClean="0"/>
+              <a:t>51</a:t>
             </a:fld>
             <a:endParaRPr lang="en-US"/>
           </a:p>
@@ -7150,7 +8228,7 @@
         </p:nvSpPr>
         <p:spPr>
           <a:xfrm>
-            <a:off x="2626057" y="2883063"/>
+            <a:off x="2651457" y="2883063"/>
             <a:ext cx="686551" cy="429028"/>
           </a:xfrm>
           <a:prstGeom prst="rightArrow">
@@ -7501,7 +8579,7 @@
         </p:nvSpPr>
         <p:spPr>
           <a:xfrm>
-            <a:off x="2626057" y="2883063"/>
+            <a:off x="2651457" y="2883063"/>
             <a:ext cx="686551" cy="429028"/>
           </a:xfrm>
           <a:prstGeom prst="rightArrow">
@@ -11541,7 +12619,7 @@
               <a:t>game.friendly_date</a:t>
             </a:r>
             <a:r>
-              <a:rPr lang="en-US" sz="2400" smtClean="0">
+              <a:rPr lang="en-US" sz="2400" dirty="0" smtClean="0">
                 <a:latin typeface="Monaco"/>
                 <a:cs typeface="Monaco"/>
               </a:rPr>
@@ -11852,6 +12930,60 @@
           </a:p>
         </p:txBody>
       </p:sp>
+      <p:sp>
+        <p:nvSpPr>
+          <p:cNvPr id="4" name="Rectangle 3"/>
+          <p:cNvSpPr/>
+          <p:nvPr/>
+        </p:nvSpPr>
+        <p:spPr>
+          <a:xfrm>
+            <a:off x="0" y="5920576"/>
+            <a:ext cx="9144000" cy="937424"/>
+          </a:xfrm>
+          <a:prstGeom prst="rect">
+            <a:avLst/>
+          </a:prstGeom>
+          <a:gradFill>
+            <a:gsLst>
+              <a:gs pos="0">
+                <a:schemeClr val="tx2"/>
+              </a:gs>
+              <a:gs pos="100000">
+                <a:schemeClr val="accent1"/>
+              </a:gs>
+            </a:gsLst>
+          </a:gradFill>
+        </p:spPr>
+        <p:style>
+          <a:lnRef idx="1">
+            <a:schemeClr val="accent1"/>
+          </a:lnRef>
+          <a:fillRef idx="3">
+            <a:schemeClr val="accent1"/>
+          </a:fillRef>
+          <a:effectRef idx="2">
+            <a:schemeClr val="accent1"/>
+          </a:effectRef>
+          <a:fontRef idx="minor">
+            <a:schemeClr val="lt1"/>
+          </a:fontRef>
+        </p:style>
+        <p:txBody>
+          <a:bodyPr rtlCol="0" anchor="ctr"/>
+          <a:lstStyle/>
+          <a:p>
+            <a:pPr algn="ctr"/>
+            <a:r>
+              <a:rPr lang="en-US" sz="4000" dirty="0" smtClean="0">
+                <a:sym typeface="Wingdings"/>
+              </a:rPr>
+              <a:t>Ranking Systems</a:t>
+            </a:r>
+            <a:endParaRPr lang="en-US" sz="4000" dirty="0"/>
+          </a:p>
+        </p:txBody>
+      </p:sp>
     </p:spTree>
     <p:extLst>
       <p:ext uri="{BB962C8B-B14F-4D97-AF65-F5344CB8AC3E}">
@@ -12049,91 +13181,251 @@
       </p:grpSpPr>
       <p:sp>
         <p:nvSpPr>
-          <p:cNvPr id="2" name="TextBox 1"/>
-          <p:cNvSpPr txBox="1"/>
+          <p:cNvPr id="4" name="Rectangle 3"/>
+          <p:cNvSpPr/>
           <p:nvPr/>
         </p:nvSpPr>
         <p:spPr>
           <a:xfrm>
-            <a:off x="669388" y="772249"/>
-            <a:ext cx="6413238" cy="1477328"/>
+            <a:off x="0" y="5938719"/>
+            <a:ext cx="9144000" cy="937424"/>
           </a:xfrm>
           <a:prstGeom prst="rect">
             <a:avLst/>
           </a:prstGeom>
-          <a:noFill/>
+          <a:gradFill>
+            <a:gsLst>
+              <a:gs pos="0">
+                <a:schemeClr val="tx2"/>
+              </a:gs>
+              <a:gs pos="100000">
+                <a:schemeClr val="accent1"/>
+              </a:gs>
+            </a:gsLst>
+          </a:gradFill>
         </p:spPr>
-        <p:txBody>
-          <a:bodyPr wrap="square" rtlCol="0">
-            <a:spAutoFit/>
-          </a:bodyPr>
-          <a:lstStyle/>
-          <a:p>
-            <a:r>
-              <a:rPr lang="en-AU" dirty="0" smtClean="0"/>
-              <a:t>The </a:t>
-            </a:r>
-            <a:r>
-              <a:rPr lang="en-AU" dirty="0" err="1" smtClean="0"/>
+        <p:style>
+          <a:lnRef idx="1">
+            <a:schemeClr val="accent1"/>
+          </a:lnRef>
+          <a:fillRef idx="3">
+            <a:schemeClr val="accent1"/>
+          </a:fillRef>
+          <a:effectRef idx="2">
+            <a:schemeClr val="accent1"/>
+          </a:effectRef>
+          <a:fontRef idx="minor">
+            <a:schemeClr val="lt1"/>
+          </a:fontRef>
+        </p:style>
+        <p:txBody>
+          <a:bodyPr rtlCol="0" anchor="ctr"/>
+          <a:lstStyle/>
+          <a:p>
+            <a:pPr algn="ctr"/>
+            <a:r>
+              <a:rPr lang="en-US" sz="4000" dirty="0" err="1" smtClean="0">
+                <a:sym typeface="Wingdings"/>
+              </a:rPr>
               <a:t>Elo</a:t>
             </a:r>
             <a:r>
-              <a:rPr lang="en-AU" dirty="0" smtClean="0"/>
+              <a:rPr lang="en-US" sz="4000" dirty="0" smtClean="0">
+                <a:sym typeface="Wingdings"/>
+              </a:rPr>
               <a:t> Rating System</a:t>
             </a:r>
-          </a:p>
-          <a:p>
-            <a:endParaRPr lang="en-AU" dirty="0"/>
-          </a:p>
-          <a:p>
-            <a:pPr marL="285750" indent="-285750">
-              <a:buFontTx/>
-              <a:buChar char="-"/>
-            </a:pPr>
-            <a:r>
-              <a:rPr lang="en-AU" dirty="0" smtClean="0"/>
-              <a:t>Most famously used in chess</a:t>
-            </a:r>
-          </a:p>
-          <a:p>
-            <a:pPr marL="285750" indent="-285750">
-              <a:buFontTx/>
-              <a:buChar char="-"/>
-            </a:pPr>
-            <a:r>
-              <a:rPr lang="en-AU" dirty="0" smtClean="0"/>
-              <a:t>Takes into account the importance of the match and the probability that each team will win</a:t>
-            </a:r>
-            <a:endParaRPr lang="en-US" dirty="0" smtClean="0"/>
-          </a:p>
-        </p:txBody>
-      </p:sp>
-      <p:sp>
-        <p:nvSpPr>
-          <p:cNvPr id="3" name="TextBox 2"/>
-          <p:cNvSpPr txBox="1"/>
+            <a:endParaRPr lang="en-US" sz="4000" dirty="0"/>
+          </a:p>
+        </p:txBody>
+      </p:sp>
+      <p:grpSp>
+        <p:nvGrpSpPr>
+          <p:cNvPr id="9" name="Group 8"/>
+          <p:cNvGrpSpPr/>
           <p:nvPr/>
-        </p:nvSpPr>
-        <p:spPr>
+        </p:nvGrpSpPr>
+        <p:grpSpPr>
           <a:xfrm>
-            <a:off x="4599891" y="3758278"/>
-            <a:ext cx="184666" cy="369332"/>
+            <a:off x="182710" y="492521"/>
+            <a:ext cx="8798076" cy="3635089"/>
+            <a:chOff x="182710" y="492521"/>
+            <a:chExt cx="8798076" cy="3635089"/>
           </a:xfrm>
-          <a:prstGeom prst="rect">
-            <a:avLst/>
-          </a:prstGeom>
-          <a:noFill/>
-        </p:spPr>
-        <p:txBody>
-          <a:bodyPr wrap="none" rtlCol="0">
-            <a:spAutoFit/>
-          </a:bodyPr>
-          <a:lstStyle/>
-          <a:p>
-            <a:endParaRPr lang="en-US" dirty="0"/>
-          </a:p>
-        </p:txBody>
-      </p:sp>
+        </p:grpSpPr>
+        <p:sp>
+          <p:nvSpPr>
+            <p:cNvPr id="3" name="TextBox 2"/>
+            <p:cNvSpPr txBox="1"/>
+            <p:nvPr/>
+          </p:nvSpPr>
+          <p:spPr>
+            <a:xfrm>
+              <a:off x="4599891" y="3758278"/>
+              <a:ext cx="184666" cy="369332"/>
+            </a:xfrm>
+            <a:prstGeom prst="rect">
+              <a:avLst/>
+            </a:prstGeom>
+            <a:noFill/>
+          </p:spPr>
+          <p:txBody>
+            <a:bodyPr wrap="none" rtlCol="0">
+              <a:spAutoFit/>
+            </a:bodyPr>
+            <a:lstStyle/>
+            <a:p>
+              <a:endParaRPr lang="en-US" dirty="0"/>
+            </a:p>
+          </p:txBody>
+        </p:sp>
+        <p:sp>
+          <p:nvSpPr>
+            <p:cNvPr id="5" name="Rounded Rectangle 4"/>
+            <p:cNvSpPr/>
+            <p:nvPr/>
+          </p:nvSpPr>
+          <p:spPr>
+            <a:xfrm>
+              <a:off x="182710" y="575799"/>
+              <a:ext cx="8798076" cy="2972764"/>
+            </a:xfrm>
+            <a:prstGeom prst="roundRect">
+              <a:avLst/>
+            </a:prstGeom>
+            <a:gradFill>
+              <a:gsLst>
+                <a:gs pos="0">
+                  <a:schemeClr val="tx2"/>
+                </a:gs>
+                <a:gs pos="100000">
+                  <a:schemeClr val="accent1"/>
+                </a:gs>
+              </a:gsLst>
+            </a:gradFill>
+          </p:spPr>
+          <p:style>
+            <a:lnRef idx="1">
+              <a:schemeClr val="accent1"/>
+            </a:lnRef>
+            <a:fillRef idx="3">
+              <a:schemeClr val="accent1"/>
+            </a:fillRef>
+            <a:effectRef idx="2">
+              <a:schemeClr val="accent1"/>
+            </a:effectRef>
+            <a:fontRef idx="minor">
+              <a:schemeClr val="lt1"/>
+            </a:fontRef>
+          </p:style>
+          <p:txBody>
+            <a:bodyPr rtlCol="0" anchor="ctr"/>
+            <a:lstStyle/>
+            <a:p>
+              <a:r>
+                <a:rPr lang="en-US" sz="3600" dirty="0" smtClean="0">
+                  <a:sym typeface="Wingdings"/>
+                </a:rPr>
+                <a:t>The </a:t>
+              </a:r>
+              <a:r>
+                <a:rPr lang="en-US" sz="3600" dirty="0" err="1" smtClean="0">
+                  <a:sym typeface="Wingdings"/>
+                </a:rPr>
+                <a:t>Elo</a:t>
+              </a:r>
+              <a:r>
+                <a:rPr lang="en-US" sz="3600" dirty="0" smtClean="0">
+                  <a:sym typeface="Wingdings"/>
+                </a:rPr>
+                <a:t> rating system is a method for calculating the relative skill levels of players in competitor-versus-competitor games.</a:t>
+              </a:r>
+            </a:p>
+          </p:txBody>
+        </p:sp>
+        <p:sp>
+          <p:nvSpPr>
+            <p:cNvPr id="6" name="TextBox 5"/>
+            <p:cNvSpPr txBox="1"/>
+            <p:nvPr/>
+          </p:nvSpPr>
+          <p:spPr>
+            <a:xfrm>
+              <a:off x="270015" y="492521"/>
+              <a:ext cx="594634" cy="1569660"/>
+            </a:xfrm>
+            <a:prstGeom prst="rect">
+              <a:avLst/>
+            </a:prstGeom>
+            <a:noFill/>
+          </p:spPr>
+          <p:txBody>
+            <a:bodyPr wrap="none" rtlCol="0">
+              <a:spAutoFit/>
+            </a:bodyPr>
+            <a:lstStyle/>
+            <a:p>
+              <a:r>
+                <a:rPr lang="en-US" sz="9600" dirty="0" smtClean="0">
+                  <a:solidFill>
+                    <a:schemeClr val="bg1"/>
+                  </a:solidFill>
+                  <a:latin typeface="Arial"/>
+                  <a:cs typeface="Arial"/>
+                </a:rPr>
+                <a:t>“</a:t>
+              </a:r>
+              <a:endParaRPr lang="en-US" sz="9600" dirty="0">
+                <a:solidFill>
+                  <a:schemeClr val="bg1"/>
+                </a:solidFill>
+                <a:latin typeface="Arial"/>
+                <a:cs typeface="Arial"/>
+              </a:endParaRPr>
+            </a:p>
+          </p:txBody>
+        </p:sp>
+        <p:sp>
+          <p:nvSpPr>
+            <p:cNvPr id="7" name="TextBox 6"/>
+            <p:cNvSpPr txBox="1"/>
+            <p:nvPr/>
+          </p:nvSpPr>
+          <p:spPr>
+            <a:xfrm>
+              <a:off x="8386152" y="2557950"/>
+              <a:ext cx="594634" cy="1569660"/>
+            </a:xfrm>
+            <a:prstGeom prst="rect">
+              <a:avLst/>
+            </a:prstGeom>
+            <a:noFill/>
+          </p:spPr>
+          <p:txBody>
+            <a:bodyPr wrap="none" rtlCol="0">
+              <a:spAutoFit/>
+            </a:bodyPr>
+            <a:lstStyle/>
+            <a:p>
+              <a:r>
+                <a:rPr lang="en-US" sz="9600" dirty="0" smtClean="0">
+                  <a:solidFill>
+                    <a:srgbClr val="FFFFFF"/>
+                  </a:solidFill>
+                  <a:latin typeface="Arial"/>
+                  <a:cs typeface="Arial"/>
+                </a:rPr>
+                <a:t>”</a:t>
+              </a:r>
+              <a:endParaRPr lang="en-US" sz="9600" dirty="0">
+                <a:solidFill>
+                  <a:srgbClr val="FFFFFF"/>
+                </a:solidFill>
+              </a:endParaRPr>
+            </a:p>
+          </p:txBody>
+        </p:sp>
+      </p:grpSp>
     </p:spTree>
     <p:extLst>
       <p:ext uri="{BB962C8B-B14F-4D97-AF65-F5344CB8AC3E}">
@@ -12173,54 +13465,6 @@
       </p:grpSpPr>
       <p:sp>
         <p:nvSpPr>
-          <p:cNvPr id="2" name="TextBox 1"/>
-          <p:cNvSpPr txBox="1"/>
-          <p:nvPr/>
-        </p:nvSpPr>
-        <p:spPr>
-          <a:xfrm>
-            <a:off x="669388" y="772249"/>
-            <a:ext cx="6413238" cy="1477328"/>
-          </a:xfrm>
-          <a:prstGeom prst="rect">
-            <a:avLst/>
-          </a:prstGeom>
-          <a:noFill/>
-        </p:spPr>
-        <p:txBody>
-          <a:bodyPr wrap="square" rtlCol="0">
-            <a:spAutoFit/>
-          </a:bodyPr>
-          <a:lstStyle/>
-          <a:p>
-            <a:r>
-              <a:rPr lang="en-AU" dirty="0" smtClean="0"/>
-              <a:t>Based on probabilities of wins </a:t>
-            </a:r>
-          </a:p>
-          <a:p>
-            <a:endParaRPr lang="en-AU" dirty="0"/>
-          </a:p>
-          <a:p>
-            <a:r>
-              <a:rPr lang="en-AU" dirty="0" smtClean="0"/>
-              <a:t>e.g.</a:t>
-            </a:r>
-          </a:p>
-          <a:p>
-            <a:endParaRPr lang="en-AU" dirty="0"/>
-          </a:p>
-          <a:p>
-            <a:r>
-              <a:rPr lang="en-AU" dirty="0" smtClean="0"/>
-              <a:t>If I’m a team of ranking 1500 and my opponent has ranking 1200</a:t>
-            </a:r>
-            <a:endParaRPr lang="en-US" dirty="0" smtClean="0"/>
-          </a:p>
-        </p:txBody>
-      </p:sp>
-      <p:sp>
-        <p:nvSpPr>
           <p:cNvPr id="3" name="TextBox 2"/>
           <p:cNvSpPr txBox="1"/>
           <p:nvPr/>
@@ -12240,6 +13484,143 @@
             <a:spAutoFit/>
           </a:bodyPr>
           <a:lstStyle/>
+          <a:p>
+            <a:endParaRPr lang="en-US" dirty="0"/>
+          </a:p>
+        </p:txBody>
+      </p:sp>
+      <p:sp>
+        <p:nvSpPr>
+          <p:cNvPr id="4" name="Rectangle 3"/>
+          <p:cNvSpPr/>
+          <p:nvPr/>
+        </p:nvSpPr>
+        <p:spPr>
+          <a:xfrm>
+            <a:off x="0" y="5938719"/>
+            <a:ext cx="9144000" cy="937424"/>
+          </a:xfrm>
+          <a:prstGeom prst="rect">
+            <a:avLst/>
+          </a:prstGeom>
+          <a:gradFill>
+            <a:gsLst>
+              <a:gs pos="0">
+                <a:schemeClr val="tx2"/>
+              </a:gs>
+              <a:gs pos="100000">
+                <a:schemeClr val="accent1"/>
+              </a:gs>
+            </a:gsLst>
+          </a:gradFill>
+        </p:spPr>
+        <p:style>
+          <a:lnRef idx="1">
+            <a:schemeClr val="accent1"/>
+          </a:lnRef>
+          <a:fillRef idx="3">
+            <a:schemeClr val="accent1"/>
+          </a:fillRef>
+          <a:effectRef idx="2">
+            <a:schemeClr val="accent1"/>
+          </a:effectRef>
+          <a:fontRef idx="minor">
+            <a:schemeClr val="lt1"/>
+          </a:fontRef>
+        </p:style>
+        <p:txBody>
+          <a:bodyPr rtlCol="0" anchor="ctr"/>
+          <a:lstStyle/>
+          <a:p>
+            <a:pPr algn="ctr"/>
+            <a:r>
+              <a:rPr lang="en-US" sz="4000" dirty="0" err="1" smtClean="0">
+                <a:sym typeface="Wingdings"/>
+              </a:rPr>
+              <a:t>Elo</a:t>
+            </a:r>
+            <a:r>
+              <a:rPr lang="en-US" sz="4000" dirty="0" smtClean="0">
+                <a:sym typeface="Wingdings"/>
+              </a:rPr>
+              <a:t> Rating System</a:t>
+            </a:r>
+            <a:endParaRPr lang="en-US" sz="4000" dirty="0"/>
+          </a:p>
+        </p:txBody>
+      </p:sp>
+      <p:sp>
+        <p:nvSpPr>
+          <p:cNvPr id="9" name="TextBox 8"/>
+          <p:cNvSpPr txBox="1"/>
+          <p:nvPr/>
+        </p:nvSpPr>
+        <p:spPr>
+          <a:xfrm>
+            <a:off x="181428" y="635000"/>
+            <a:ext cx="8763001" cy="4985981"/>
+          </a:xfrm>
+          <a:prstGeom prst="rect">
+            <a:avLst/>
+          </a:prstGeom>
+          <a:noFill/>
+        </p:spPr>
+        <p:txBody>
+          <a:bodyPr wrap="square" rtlCol="0">
+            <a:spAutoFit/>
+          </a:bodyPr>
+          <a:lstStyle/>
+          <a:p>
+            <a:r>
+              <a:rPr lang="en-AU" sz="3600" b="1" dirty="0" smtClean="0"/>
+              <a:t>R' = R + K * (S - E)</a:t>
+            </a:r>
+          </a:p>
+          <a:p>
+            <a:r>
+              <a:rPr lang="en-AU" sz="2800" dirty="0" smtClean="0"/>
+              <a:t>R' is the new rating</a:t>
+            </a:r>
+          </a:p>
+          <a:p>
+            <a:r>
+              <a:rPr lang="en-AU" sz="2800" dirty="0" smtClean="0"/>
+              <a:t>R is the old rating</a:t>
+            </a:r>
+          </a:p>
+          <a:p>
+            <a:r>
+              <a:rPr lang="en-AU" sz="2800" dirty="0" smtClean="0"/>
+              <a:t>K is a maximum value for increase or decrease of rating (16 or 32 for ELO)</a:t>
+            </a:r>
+          </a:p>
+          <a:p>
+            <a:r>
+              <a:rPr lang="en-AU" sz="2800" dirty="0" smtClean="0"/>
+              <a:t>S is the score for a game</a:t>
+            </a:r>
+          </a:p>
+          <a:p>
+            <a:r>
+              <a:rPr lang="en-AU" sz="2800" dirty="0" smtClean="0"/>
+              <a:t>E is the expected score for a game</a:t>
+            </a:r>
+          </a:p>
+          <a:p>
+            <a:endParaRPr lang="en-AU" sz="2400" dirty="0" smtClean="0"/>
+          </a:p>
+          <a:p>
+            <a:r>
+              <a:rPr lang="en-AU" sz="3600" b="1" dirty="0" smtClean="0"/>
+              <a:t>E(A) = 1 / [ 1 + 10 ^ ( [R(B) - R(A)] / 400 ) ]</a:t>
+            </a:r>
+          </a:p>
+          <a:p>
+            <a:r>
+              <a:rPr lang="en-AU" sz="3600" b="1" dirty="0" smtClean="0"/>
+              <a:t>E(B) = 1 / [ 1 + 10 ^ ( [R(A) - R(B)] / 400 ) ]</a:t>
+            </a:r>
+          </a:p>
           <a:p>
             <a:endParaRPr lang="en-US" dirty="0"/>
           </a:p>
@@ -12284,36 +13665,6 @@
       </p:grpSpPr>
       <p:sp>
         <p:nvSpPr>
-          <p:cNvPr id="2" name="TextBox 1"/>
-          <p:cNvSpPr txBox="1"/>
-          <p:nvPr/>
-        </p:nvSpPr>
-        <p:spPr>
-          <a:xfrm>
-            <a:off x="669388" y="772249"/>
-            <a:ext cx="6413238" cy="369332"/>
-          </a:xfrm>
-          <a:prstGeom prst="rect">
-            <a:avLst/>
-          </a:prstGeom>
-          <a:noFill/>
-        </p:spPr>
-        <p:txBody>
-          <a:bodyPr wrap="square" rtlCol="0">
-            <a:spAutoFit/>
-          </a:bodyPr>
-          <a:lstStyle/>
-          <a:p>
-            <a:r>
-              <a:rPr lang="en-AU" dirty="0" smtClean="0"/>
-              <a:t>Show the code that implements the algorithm</a:t>
-            </a:r>
-            <a:endParaRPr lang="en-US" dirty="0" smtClean="0"/>
-          </a:p>
-        </p:txBody>
-      </p:sp>
-      <p:sp>
-        <p:nvSpPr>
           <p:cNvPr id="3" name="TextBox 2"/>
           <p:cNvSpPr txBox="1"/>
           <p:nvPr/>
@@ -12338,10 +13689,169 @@
           </a:p>
         </p:txBody>
       </p:sp>
+      <p:sp>
+        <p:nvSpPr>
+          <p:cNvPr id="4" name="Rectangle 3"/>
+          <p:cNvSpPr/>
+          <p:nvPr/>
+        </p:nvSpPr>
+        <p:spPr>
+          <a:xfrm>
+            <a:off x="0" y="5938719"/>
+            <a:ext cx="9144000" cy="937424"/>
+          </a:xfrm>
+          <a:prstGeom prst="rect">
+            <a:avLst/>
+          </a:prstGeom>
+          <a:gradFill>
+            <a:gsLst>
+              <a:gs pos="0">
+                <a:schemeClr val="tx2"/>
+              </a:gs>
+              <a:gs pos="100000">
+                <a:schemeClr val="accent1"/>
+              </a:gs>
+            </a:gsLst>
+          </a:gradFill>
+        </p:spPr>
+        <p:style>
+          <a:lnRef idx="1">
+            <a:schemeClr val="accent1"/>
+          </a:lnRef>
+          <a:fillRef idx="3">
+            <a:schemeClr val="accent1"/>
+          </a:fillRef>
+          <a:effectRef idx="2">
+            <a:schemeClr val="accent1"/>
+          </a:effectRef>
+          <a:fontRef idx="minor">
+            <a:schemeClr val="lt1"/>
+          </a:fontRef>
+        </p:style>
+        <p:txBody>
+          <a:bodyPr rtlCol="0" anchor="ctr"/>
+          <a:lstStyle/>
+          <a:p>
+            <a:pPr algn="ctr"/>
+            <a:r>
+              <a:rPr lang="en-US" sz="4000" dirty="0" smtClean="0">
+                <a:sym typeface="Wingdings"/>
+              </a:rPr>
+              <a:t>An example</a:t>
+            </a:r>
+            <a:endParaRPr lang="en-US" sz="4000" dirty="0"/>
+          </a:p>
+        </p:txBody>
+      </p:sp>
+      <p:sp>
+        <p:nvSpPr>
+          <p:cNvPr id="2" name="TextBox 1"/>
+          <p:cNvSpPr txBox="1"/>
+          <p:nvPr/>
+        </p:nvSpPr>
+        <p:spPr>
+          <a:xfrm>
+            <a:off x="272141" y="72571"/>
+            <a:ext cx="8509001" cy="5755422"/>
+          </a:xfrm>
+          <a:prstGeom prst="rect">
+            <a:avLst/>
+          </a:prstGeom>
+          <a:noFill/>
+        </p:spPr>
+        <p:txBody>
+          <a:bodyPr wrap="square" rtlCol="0">
+            <a:spAutoFit/>
+          </a:bodyPr>
+          <a:lstStyle/>
+          <a:p>
+            <a:r>
+              <a:rPr lang="en-AU" sz="2800" b="1" dirty="0" smtClean="0"/>
+              <a:t>R(A) = 1900</a:t>
+            </a:r>
+          </a:p>
+          <a:p>
+            <a:r>
+              <a:rPr lang="en-AU" sz="2800" b="1" dirty="0" smtClean="0"/>
+              <a:t>R(B) = 1500</a:t>
+            </a:r>
+          </a:p>
+          <a:p>
+            <a:endParaRPr lang="en-AU" sz="1600" b="1" dirty="0" smtClean="0"/>
+          </a:p>
+          <a:p>
+            <a:r>
+              <a:rPr lang="en-AU" sz="2800" b="1" dirty="0" smtClean="0"/>
+              <a:t>E(A) = 1 / [ 1 + 10 ^ ( [1500 - 1900] / 400 ) ]</a:t>
+            </a:r>
+          </a:p>
+          <a:p>
+            <a:r>
+              <a:rPr lang="en-AU" sz="2800" b="1" dirty="0" smtClean="0"/>
+              <a:t>        = 1 / [ 1 + 10 ^ ( -400 / 400) ]</a:t>
+            </a:r>
+          </a:p>
+          <a:p>
+            <a:r>
+              <a:rPr lang="en-AU" sz="2800" b="1" dirty="0" smtClean="0"/>
+              <a:t>        = 1 / [ 1 + 10 ^ -1 ]</a:t>
+            </a:r>
+          </a:p>
+          <a:p>
+            <a:r>
+              <a:rPr lang="en-AU" sz="2800" b="1" dirty="0" smtClean="0"/>
+              <a:t>        = 1 / 1 + .1</a:t>
+            </a:r>
+          </a:p>
+          <a:p>
+            <a:r>
+              <a:rPr lang="en-AU" sz="2800" b="1" dirty="0" smtClean="0"/>
+              <a:t>        = .91 / 91%</a:t>
+            </a:r>
+            <a:br>
+              <a:rPr lang="en-AU" sz="2800" b="1" dirty="0" smtClean="0"/>
+            </a:br>
+            <a:r>
+              <a:rPr lang="en-AU" sz="1600" b="1" dirty="0" smtClean="0"/>
+              <a:t> </a:t>
+            </a:r>
+          </a:p>
+          <a:p>
+            <a:r>
+              <a:rPr lang="en-AU" sz="2800" b="1" dirty="0" smtClean="0"/>
+              <a:t>E(B) = 1 / [ 1 + 10 ^ ( [1900 - 1500] / 400) ]</a:t>
+            </a:r>
+          </a:p>
+          <a:p>
+            <a:r>
+              <a:rPr lang="en-AU" sz="2800" b="1" dirty="0" smtClean="0"/>
+              <a:t>        = 1 / [ 1 + 10 ^ ( 400 / 400 ) ]</a:t>
+            </a:r>
+          </a:p>
+          <a:p>
+            <a:r>
+              <a:rPr lang="en-AU" sz="2800" b="1" dirty="0" smtClean="0"/>
+              <a:t>        = 1 / [ 1 + 10 ^ 1 ]</a:t>
+            </a:r>
+          </a:p>
+          <a:p>
+            <a:r>
+              <a:rPr lang="en-AU" sz="2800" b="1" dirty="0" smtClean="0"/>
+              <a:t>        = 1 / 11</a:t>
+            </a:r>
+          </a:p>
+          <a:p>
+            <a:r>
+              <a:rPr lang="en-AU" sz="2800" b="1" dirty="0" smtClean="0"/>
+              <a:t>        = .09 / 9%</a:t>
+            </a:r>
+          </a:p>
+        </p:txBody>
+      </p:sp>
     </p:spTree>
     <p:extLst>
       <p:ext uri="{BB962C8B-B14F-4D97-AF65-F5344CB8AC3E}">
-        <p14:creationId xmlns:p14="http://schemas.microsoft.com/office/powerpoint/2010/main" val="3456072941"/>
+        <p14:creationId xmlns:p14="http://schemas.microsoft.com/office/powerpoint/2010/main" val="3837191441"/>
       </p:ext>
     </p:extLst>
   </p:cSld>
@@ -12544,77 +14054,6 @@
       </p:grpSpPr>
       <p:sp>
         <p:nvSpPr>
-          <p:cNvPr id="2" name="TextBox 1"/>
-          <p:cNvSpPr txBox="1"/>
-          <p:nvPr/>
-        </p:nvSpPr>
-        <p:spPr>
-          <a:xfrm>
-            <a:off x="669388" y="772249"/>
-            <a:ext cx="6413238" cy="2862323"/>
-          </a:xfrm>
-          <a:prstGeom prst="rect">
-            <a:avLst/>
-          </a:prstGeom>
-          <a:noFill/>
-        </p:spPr>
-        <p:txBody>
-          <a:bodyPr wrap="square" rtlCol="0">
-            <a:spAutoFit/>
-          </a:bodyPr>
-          <a:lstStyle/>
-          <a:p>
-            <a:r>
-              <a:rPr lang="en-AU" dirty="0" smtClean="0"/>
-              <a:t>This can go after the examples:</a:t>
-            </a:r>
-          </a:p>
-          <a:p>
-            <a:endParaRPr lang="en-AU" dirty="0" smtClean="0"/>
-          </a:p>
-          <a:p>
-            <a:r>
-              <a:rPr lang="en-AU" dirty="0" smtClean="0"/>
-              <a:t>Problems with </a:t>
-            </a:r>
-            <a:r>
-              <a:rPr lang="en-AU" dirty="0" err="1" smtClean="0"/>
-              <a:t>Elo</a:t>
-            </a:r>
-            <a:endParaRPr lang="en-AU" dirty="0" smtClean="0"/>
-          </a:p>
-          <a:p>
-            <a:endParaRPr lang="en-AU" dirty="0" smtClean="0"/>
-          </a:p>
-          <a:p>
-            <a:r>
-              <a:rPr lang="en-AU" dirty="0" smtClean="0"/>
-              <a:t> 1. New players can take a long time to ascend or descend to their correct levels.</a:t>
-            </a:r>
-          </a:p>
-          <a:p>
-            <a:r>
-              <a:rPr lang="en-AU" dirty="0" smtClean="0"/>
-              <a:t>    2. Highly ranked players can be hesitant to play with provisional</a:t>
-            </a:r>
-          </a:p>
-          <a:p>
-            <a:r>
-              <a:rPr lang="en-AU" dirty="0" smtClean="0"/>
-              <a:t>       players whose ranking might be much more uncertain.</a:t>
-            </a:r>
-          </a:p>
-          <a:p>
-            <a:r>
-              <a:rPr lang="en-AU" dirty="0" smtClean="0"/>
-              <a:t>    3. There are no allowances for games with more than two players.</a:t>
-            </a:r>
-            <a:endParaRPr lang="en-US" dirty="0" smtClean="0"/>
-          </a:p>
-        </p:txBody>
-      </p:sp>
-      <p:sp>
-        <p:nvSpPr>
           <p:cNvPr id="3" name="TextBox 2"/>
           <p:cNvSpPr txBox="1"/>
           <p:nvPr/>
@@ -12639,10 +14078,175 @@
           </a:p>
         </p:txBody>
       </p:sp>
+      <p:sp>
+        <p:nvSpPr>
+          <p:cNvPr id="4" name="Rectangle 3"/>
+          <p:cNvSpPr/>
+          <p:nvPr/>
+        </p:nvSpPr>
+        <p:spPr>
+          <a:xfrm>
+            <a:off x="0" y="5938719"/>
+            <a:ext cx="9144000" cy="937424"/>
+          </a:xfrm>
+          <a:prstGeom prst="rect">
+            <a:avLst/>
+          </a:prstGeom>
+          <a:gradFill>
+            <a:gsLst>
+              <a:gs pos="0">
+                <a:schemeClr val="tx2"/>
+              </a:gs>
+              <a:gs pos="100000">
+                <a:schemeClr val="accent1"/>
+              </a:gs>
+            </a:gsLst>
+          </a:gradFill>
+        </p:spPr>
+        <p:style>
+          <a:lnRef idx="1">
+            <a:schemeClr val="accent1"/>
+          </a:lnRef>
+          <a:fillRef idx="3">
+            <a:schemeClr val="accent1"/>
+          </a:fillRef>
+          <a:effectRef idx="2">
+            <a:schemeClr val="accent1"/>
+          </a:effectRef>
+          <a:fontRef idx="minor">
+            <a:schemeClr val="lt1"/>
+          </a:fontRef>
+        </p:style>
+        <p:txBody>
+          <a:bodyPr rtlCol="0" anchor="ctr"/>
+          <a:lstStyle/>
+          <a:p>
+            <a:pPr algn="ctr"/>
+            <a:r>
+              <a:rPr lang="en-US" sz="4000" dirty="0" smtClean="0">
+                <a:sym typeface="Wingdings"/>
+              </a:rPr>
+              <a:t>An example</a:t>
+            </a:r>
+            <a:endParaRPr lang="en-US" sz="4000" dirty="0"/>
+          </a:p>
+        </p:txBody>
+      </p:sp>
+      <p:sp>
+        <p:nvSpPr>
+          <p:cNvPr id="2" name="Rectangle 1"/>
+          <p:cNvSpPr/>
+          <p:nvPr/>
+        </p:nvSpPr>
+        <p:spPr>
+          <a:xfrm>
+            <a:off x="507999" y="505268"/>
+            <a:ext cx="7982857" cy="5016757"/>
+          </a:xfrm>
+          <a:prstGeom prst="rect">
+            <a:avLst/>
+          </a:prstGeom>
+        </p:spPr>
+        <p:txBody>
+          <a:bodyPr wrap="square">
+            <a:spAutoFit/>
+          </a:bodyPr>
+          <a:lstStyle/>
+          <a:p>
+            <a:r>
+              <a:rPr lang="fr-FR" sz="3200" b="1" dirty="0" smtClean="0"/>
+              <a:t>If </a:t>
+            </a:r>
+            <a:r>
+              <a:rPr lang="fr-FR" sz="3200" b="1" dirty="0" err="1" smtClean="0"/>
+              <a:t>we</a:t>
+            </a:r>
+            <a:r>
+              <a:rPr lang="fr-FR" sz="3200" b="1" dirty="0" smtClean="0"/>
+              <a:t> </a:t>
+            </a:r>
+            <a:r>
+              <a:rPr lang="fr-FR" sz="3200" b="1" dirty="0" err="1" smtClean="0"/>
+              <a:t>win</a:t>
+            </a:r>
+            <a:r>
+              <a:rPr lang="fr-FR" sz="3200" b="1" dirty="0" smtClean="0"/>
+              <a:t>:</a:t>
+            </a:r>
+          </a:p>
+          <a:p>
+            <a:r>
+              <a:rPr lang="fr-FR" sz="3200" b="1" dirty="0" smtClean="0"/>
+              <a:t>R' = 1900 + 32 * (1 - .91)</a:t>
+            </a:r>
+          </a:p>
+          <a:p>
+            <a:r>
+              <a:rPr lang="fr-FR" sz="3200" b="1" dirty="0" smtClean="0"/>
+              <a:t>R' = 1900 + 32 * .09</a:t>
+            </a:r>
+          </a:p>
+          <a:p>
+            <a:r>
+              <a:rPr lang="fr-FR" sz="3200" b="1" dirty="0" smtClean="0"/>
+              <a:t>R' = 1900 + 2.88</a:t>
+            </a:r>
+          </a:p>
+          <a:p>
+            <a:r>
+              <a:rPr lang="fr-FR" sz="3200" b="1" dirty="0" smtClean="0"/>
+              <a:t>R' = 1903</a:t>
+            </a:r>
+          </a:p>
+          <a:p>
+            <a:endParaRPr lang="fr-FR" sz="3200" b="1" dirty="0" smtClean="0"/>
+          </a:p>
+          <a:p>
+            <a:r>
+              <a:rPr lang="fr-FR" sz="3200" b="1" dirty="0" smtClean="0"/>
+              <a:t>If </a:t>
+            </a:r>
+            <a:r>
+              <a:rPr lang="fr-FR" sz="3200" b="1" dirty="0" err="1" smtClean="0"/>
+              <a:t>we</a:t>
+            </a:r>
+            <a:r>
+              <a:rPr lang="fr-FR" sz="3200" b="1" dirty="0" smtClean="0"/>
+              <a:t> </a:t>
+            </a:r>
+            <a:r>
+              <a:rPr lang="fr-FR" sz="3200" b="1" dirty="0" err="1" smtClean="0"/>
+              <a:t>lose</a:t>
+            </a:r>
+            <a:r>
+              <a:rPr lang="fr-FR" sz="3200" b="1" dirty="0" smtClean="0"/>
+              <a:t>:</a:t>
+            </a:r>
+          </a:p>
+          <a:p>
+            <a:r>
+              <a:rPr lang="fr-FR" sz="3200" b="1" dirty="0" smtClean="0"/>
+              <a:t>R' = 1900 + 32 * (0 - .91)</a:t>
+            </a:r>
+          </a:p>
+          <a:p>
+            <a:r>
+              <a:rPr lang="fr-FR" sz="3200" b="1" dirty="0" smtClean="0"/>
+              <a:t>R' = 1900 - 29.12</a:t>
+            </a:r>
+          </a:p>
+          <a:p>
+            <a:r>
+              <a:rPr lang="fr-FR" sz="3200" b="1" dirty="0" smtClean="0"/>
+              <a:t>R' = 1871</a:t>
+            </a:r>
+          </a:p>
+        </p:txBody>
+      </p:sp>
     </p:spTree>
     <p:extLst>
       <p:ext uri="{BB962C8B-B14F-4D97-AF65-F5344CB8AC3E}">
-        <p14:creationId xmlns:p14="http://schemas.microsoft.com/office/powerpoint/2010/main" val="2662375558"/>
+        <p14:creationId xmlns:p14="http://schemas.microsoft.com/office/powerpoint/2010/main" val="4294194091"/>
       </p:ext>
     </p:extLst>
   </p:cSld>
@@ -12678,87 +14282,6 @@
       </p:grpSpPr>
       <p:sp>
         <p:nvSpPr>
-          <p:cNvPr id="2" name="TextBox 1"/>
-          <p:cNvSpPr txBox="1"/>
-          <p:nvPr/>
-        </p:nvSpPr>
-        <p:spPr>
-          <a:xfrm>
-            <a:off x="669388" y="772249"/>
-            <a:ext cx="6413238" cy="3416320"/>
-          </a:xfrm>
-          <a:prstGeom prst="rect">
-            <a:avLst/>
-          </a:prstGeom>
-          <a:noFill/>
-        </p:spPr>
-        <p:txBody>
-          <a:bodyPr wrap="square" rtlCol="0">
-            <a:spAutoFit/>
-          </a:bodyPr>
-          <a:lstStyle/>
-          <a:p>
-            <a:r>
-              <a:rPr lang="en-AU" dirty="0" err="1" smtClean="0"/>
-              <a:t>Glicko</a:t>
-            </a:r>
-            <a:endParaRPr lang="en-AU" dirty="0" smtClean="0"/>
-          </a:p>
-          <a:p>
-            <a:endParaRPr lang="en-AU" dirty="0"/>
-          </a:p>
-          <a:p>
-            <a:r>
-              <a:rPr lang="en-AU" dirty="0" smtClean="0"/>
-              <a:t>Addresses a deficiency in </a:t>
-            </a:r>
-            <a:r>
-              <a:rPr lang="en-AU" dirty="0" err="1" smtClean="0"/>
-              <a:t>Elo</a:t>
-            </a:r>
-            <a:r>
-              <a:rPr lang="en-AU" dirty="0" smtClean="0"/>
-              <a:t>: the reliability of player’s ratings</a:t>
-            </a:r>
-          </a:p>
-          <a:p>
-            <a:endParaRPr lang="en-AU" dirty="0"/>
-          </a:p>
-          <a:p>
-            <a:r>
-              <a:rPr lang="en-AU" dirty="0" smtClean="0"/>
-              <a:t>It does this by introducing a rating deviation and rating volatility</a:t>
-            </a:r>
-          </a:p>
-          <a:p>
-            <a:endParaRPr lang="en-AU" dirty="0"/>
-          </a:p>
-          <a:p>
-            <a:r>
-              <a:rPr lang="en-AU" dirty="0" smtClean="0"/>
-              <a:t>High RD -&gt; Player not playing often so we have less confidence in this ranking</a:t>
-            </a:r>
-          </a:p>
-          <a:p>
-            <a:r>
-              <a:rPr lang="en-AU" dirty="0" smtClean="0"/>
-              <a:t>Low RD -&gt; Playing often so we have more confidence in this ranking</a:t>
-            </a:r>
-          </a:p>
-          <a:p>
-            <a:endParaRPr lang="en-AU" dirty="0"/>
-          </a:p>
-          <a:p>
-            <a:r>
-              <a:rPr lang="en-AU" dirty="0" smtClean="0"/>
-              <a:t>Change in ranking depends on their RD</a:t>
-            </a:r>
-            <a:endParaRPr lang="en-US" dirty="0" smtClean="0"/>
-          </a:p>
-        </p:txBody>
-      </p:sp>
-      <p:sp>
-        <p:nvSpPr>
           <p:cNvPr id="3" name="TextBox 2"/>
           <p:cNvSpPr txBox="1"/>
           <p:nvPr/>
@@ -12783,10 +14306,1548 @@
           </a:p>
         </p:txBody>
       </p:sp>
+      <p:sp>
+        <p:nvSpPr>
+          <p:cNvPr id="7" name="TextBox 6"/>
+          <p:cNvSpPr txBox="1"/>
+          <p:nvPr/>
+        </p:nvSpPr>
+        <p:spPr>
+          <a:xfrm>
+            <a:off x="0" y="18139"/>
+            <a:ext cx="9292623" cy="5940087"/>
+          </a:xfrm>
+          <a:prstGeom prst="rect">
+            <a:avLst/>
+          </a:prstGeom>
+          <a:noFill/>
+        </p:spPr>
+        <p:txBody>
+          <a:bodyPr wrap="square" rtlCol="0">
+            <a:spAutoFit/>
+          </a:bodyPr>
+          <a:lstStyle/>
+          <a:p>
+            <a:r>
+              <a:rPr lang="en-US" sz="1900" dirty="0" smtClean="0">
+                <a:latin typeface="Monaco"/>
+                <a:cs typeface="Monaco"/>
+              </a:rPr>
+              <a:t>(</a:t>
+            </a:r>
+            <a:r>
+              <a:rPr lang="en-US" sz="1900" dirty="0" err="1" smtClean="0">
+                <a:latin typeface="Monaco"/>
+                <a:cs typeface="Monaco"/>
+              </a:rPr>
+              <a:t>defn</a:t>
+            </a:r>
+            <a:r>
+              <a:rPr lang="en-US" sz="1900" dirty="0" smtClean="0">
+                <a:latin typeface="Monaco"/>
+                <a:cs typeface="Monaco"/>
+              </a:rPr>
+              <a:t> expected [my-ranking opponent-ranking]</a:t>
+            </a:r>
+          </a:p>
+          <a:p>
+            <a:r>
+              <a:rPr lang="en-US" sz="1900" dirty="0" smtClean="0">
+                <a:latin typeface="Monaco"/>
+                <a:cs typeface="Monaco"/>
+              </a:rPr>
+              <a:t>  (/ 1.0</a:t>
+            </a:r>
+          </a:p>
+          <a:p>
+            <a:r>
+              <a:rPr lang="en-US" sz="1900" dirty="0" smtClean="0">
+                <a:latin typeface="Monaco"/>
+                <a:cs typeface="Monaco"/>
+              </a:rPr>
+              <a:t>     (+ 1</a:t>
+            </a:r>
+          </a:p>
+          <a:p>
+            <a:r>
+              <a:rPr lang="en-US" sz="1900" dirty="0" smtClean="0">
+                <a:latin typeface="Monaco"/>
+                <a:cs typeface="Monaco"/>
+              </a:rPr>
+              <a:t>        (math/</a:t>
+            </a:r>
+            <a:r>
+              <a:rPr lang="en-US" sz="1900" dirty="0" err="1" smtClean="0">
+                <a:latin typeface="Monaco"/>
+                <a:cs typeface="Monaco"/>
+              </a:rPr>
+              <a:t>expt</a:t>
+            </a:r>
+            <a:r>
+              <a:rPr lang="en-US" sz="1900" dirty="0" smtClean="0">
+                <a:latin typeface="Monaco"/>
+                <a:cs typeface="Monaco"/>
+              </a:rPr>
+              <a:t> 10 (/ (- opponent-ranking my-ranking) </a:t>
+            </a:r>
+          </a:p>
+          <a:p>
+            <a:r>
+              <a:rPr lang="en-US" sz="1900" dirty="0" smtClean="0">
+                <a:latin typeface="Monaco"/>
+                <a:cs typeface="Monaco"/>
+              </a:rPr>
+              <a:t>                         400)))))</a:t>
+            </a:r>
+          </a:p>
+          <a:p>
+            <a:r>
+              <a:rPr lang="en-US" sz="1900" dirty="0" smtClean="0">
+                <a:latin typeface="Monaco"/>
+                <a:cs typeface="Monaco"/>
+              </a:rPr>
+              <a:t>(</a:t>
+            </a:r>
+            <a:r>
+              <a:rPr lang="en-US" sz="1900" dirty="0" err="1" smtClean="0">
+                <a:latin typeface="Monaco"/>
+                <a:cs typeface="Monaco"/>
+              </a:rPr>
+              <a:t>defn</a:t>
+            </a:r>
+            <a:r>
+              <a:rPr lang="en-US" sz="1900" dirty="0" smtClean="0">
+                <a:latin typeface="Monaco"/>
+                <a:cs typeface="Monaco"/>
+              </a:rPr>
+              <a:t> ranking-after-win</a:t>
+            </a:r>
+          </a:p>
+          <a:p>
+            <a:r>
+              <a:rPr lang="en-US" sz="1900" dirty="0" smtClean="0">
+                <a:latin typeface="Monaco"/>
+                <a:cs typeface="Monaco"/>
+              </a:rPr>
+              <a:t>  [{ ranking :ranking </a:t>
+            </a:r>
+          </a:p>
+          <a:p>
+            <a:r>
+              <a:rPr lang="en-US" sz="1900" dirty="0">
+                <a:latin typeface="Monaco"/>
+                <a:cs typeface="Monaco"/>
+              </a:rPr>
+              <a:t> </a:t>
+            </a:r>
+            <a:r>
+              <a:rPr lang="en-US" sz="1900" dirty="0" smtClean="0">
+                <a:latin typeface="Monaco"/>
+                <a:cs typeface="Monaco"/>
+              </a:rPr>
+              <a:t>    opponent-ranking :opponent-ranking</a:t>
+            </a:r>
+          </a:p>
+          <a:p>
+            <a:r>
+              <a:rPr lang="en-US" sz="1900" dirty="0" smtClean="0">
+                <a:latin typeface="Monaco"/>
+                <a:cs typeface="Monaco"/>
+              </a:rPr>
+              <a:t>     importance :importance}]</a:t>
+            </a:r>
+          </a:p>
+          <a:p>
+            <a:r>
+              <a:rPr lang="en-US" sz="1900" dirty="0" smtClean="0">
+                <a:latin typeface="Monaco"/>
+                <a:cs typeface="Monaco"/>
+              </a:rPr>
+              <a:t>  (+ ranking</a:t>
+            </a:r>
+          </a:p>
+          <a:p>
+            <a:r>
+              <a:rPr lang="en-US" sz="1900" dirty="0" smtClean="0">
+                <a:latin typeface="Monaco"/>
+                <a:cs typeface="Monaco"/>
+              </a:rPr>
+              <a:t>     (* importance</a:t>
+            </a:r>
+          </a:p>
+          <a:p>
+            <a:r>
+              <a:rPr lang="en-US" sz="1900" dirty="0" smtClean="0">
+                <a:latin typeface="Monaco"/>
+                <a:cs typeface="Monaco"/>
+              </a:rPr>
+              <a:t>        (- 1 (expected ranking opponent-ranking) ))))</a:t>
+            </a:r>
+          </a:p>
+          <a:p>
+            <a:endParaRPr lang="en-US" sz="1900" dirty="0" smtClean="0">
+              <a:latin typeface="Monaco"/>
+              <a:cs typeface="Monaco"/>
+            </a:endParaRPr>
+          </a:p>
+          <a:p>
+            <a:r>
+              <a:rPr lang="en-US" sz="1900" dirty="0" smtClean="0">
+                <a:latin typeface="Monaco"/>
+                <a:cs typeface="Monaco"/>
+              </a:rPr>
+              <a:t>(</a:t>
+            </a:r>
+            <a:r>
+              <a:rPr lang="en-US" sz="1900" dirty="0" err="1" smtClean="0">
+                <a:latin typeface="Monaco"/>
+                <a:cs typeface="Monaco"/>
+              </a:rPr>
+              <a:t>defn</a:t>
+            </a:r>
+            <a:r>
+              <a:rPr lang="en-US" sz="1900" dirty="0" smtClean="0">
+                <a:latin typeface="Monaco"/>
+                <a:cs typeface="Monaco"/>
+              </a:rPr>
+              <a:t> ranking-after-loss</a:t>
+            </a:r>
+          </a:p>
+          <a:p>
+            <a:r>
+              <a:rPr lang="en-US" sz="1900" dirty="0" smtClean="0">
+                <a:latin typeface="Monaco"/>
+                <a:cs typeface="Monaco"/>
+              </a:rPr>
+              <a:t>  [{ ranking :ranking</a:t>
+            </a:r>
+          </a:p>
+          <a:p>
+            <a:r>
+              <a:rPr lang="en-US" sz="1900" dirty="0" smtClean="0">
+                <a:latin typeface="Monaco"/>
+                <a:cs typeface="Monaco"/>
+              </a:rPr>
+              <a:t>     opponent-ranking :opponent-ranking</a:t>
+            </a:r>
+          </a:p>
+          <a:p>
+            <a:r>
+              <a:rPr lang="en-US" sz="1900" dirty="0" smtClean="0">
+                <a:latin typeface="Monaco"/>
+                <a:cs typeface="Monaco"/>
+              </a:rPr>
+              <a:t>     importance :importance}]</a:t>
+            </a:r>
+          </a:p>
+          <a:p>
+            <a:r>
+              <a:rPr lang="en-US" sz="1900" dirty="0" smtClean="0">
+                <a:latin typeface="Monaco"/>
+                <a:cs typeface="Monaco"/>
+              </a:rPr>
+              <a:t>  (+ ranking</a:t>
+            </a:r>
+          </a:p>
+          <a:p>
+            <a:r>
+              <a:rPr lang="en-US" sz="1900" dirty="0" smtClean="0">
+                <a:latin typeface="Monaco"/>
+                <a:cs typeface="Monaco"/>
+              </a:rPr>
+              <a:t>     (* importance</a:t>
+            </a:r>
+          </a:p>
+          <a:p>
+            <a:r>
+              <a:rPr lang="en-US" sz="1900" dirty="0" smtClean="0">
+                <a:latin typeface="Monaco"/>
+                <a:cs typeface="Monaco"/>
+              </a:rPr>
+              <a:t>        (- 0 (expected ranking opponent-ranking)))))</a:t>
+            </a:r>
+            <a:endParaRPr lang="en-US" sz="1900" dirty="0">
+              <a:latin typeface="Monaco"/>
+              <a:cs typeface="Monaco"/>
+            </a:endParaRPr>
+          </a:p>
+        </p:txBody>
+      </p:sp>
+      <p:sp>
+        <p:nvSpPr>
+          <p:cNvPr id="8" name="Rectangle 7"/>
+          <p:cNvSpPr/>
+          <p:nvPr/>
+        </p:nvSpPr>
+        <p:spPr>
+          <a:xfrm>
+            <a:off x="0" y="5938719"/>
+            <a:ext cx="9144000" cy="937424"/>
+          </a:xfrm>
+          <a:prstGeom prst="rect">
+            <a:avLst/>
+          </a:prstGeom>
+          <a:gradFill>
+            <a:gsLst>
+              <a:gs pos="0">
+                <a:schemeClr val="tx2"/>
+              </a:gs>
+              <a:gs pos="100000">
+                <a:schemeClr val="accent1"/>
+              </a:gs>
+            </a:gsLst>
+          </a:gradFill>
+        </p:spPr>
+        <p:style>
+          <a:lnRef idx="1">
+            <a:schemeClr val="accent1"/>
+          </a:lnRef>
+          <a:fillRef idx="3">
+            <a:schemeClr val="accent1"/>
+          </a:fillRef>
+          <a:effectRef idx="2">
+            <a:schemeClr val="accent1"/>
+          </a:effectRef>
+          <a:fontRef idx="minor">
+            <a:schemeClr val="lt1"/>
+          </a:fontRef>
+        </p:style>
+        <p:txBody>
+          <a:bodyPr rtlCol="0" anchor="ctr"/>
+          <a:lstStyle/>
+          <a:p>
+            <a:pPr algn="ctr"/>
+            <a:r>
+              <a:rPr lang="en-US" sz="4000" dirty="0" smtClean="0">
+                <a:sym typeface="Wingdings"/>
+              </a:rPr>
+              <a:t>The Code</a:t>
+            </a:r>
+            <a:endParaRPr lang="en-US" sz="4000" dirty="0"/>
+          </a:p>
+        </p:txBody>
+      </p:sp>
     </p:spTree>
     <p:extLst>
       <p:ext uri="{BB962C8B-B14F-4D97-AF65-F5344CB8AC3E}">
-        <p14:creationId xmlns:p14="http://schemas.microsoft.com/office/powerpoint/2010/main" val="1901752674"/>
+        <p14:creationId xmlns:p14="http://schemas.microsoft.com/office/powerpoint/2010/main" val="3456072941"/>
+      </p:ext>
+    </p:extLst>
+  </p:cSld>
+  <p:clrMapOvr>
+    <a:masterClrMapping/>
+  </p:clrMapOvr>
+  <p:timing>
+    <p:tnLst>
+      <p:par>
+        <p:cTn xmlns:p14="http://schemas.microsoft.com/office/powerpoint/2010/main" id="1" dur="indefinite" restart="never" nodeType="tmRoot"/>
+      </p:par>
+    </p:tnLst>
+  </p:timing>
+</p:sld>
+</file>
+
+<file path=ppt/slides/slide42.xml><?xml version="1.0" encoding="utf-8"?>
+<p:sld xmlns:a="http://schemas.openxmlformats.org/drawingml/2006/main" xmlns:r="http://schemas.openxmlformats.org/officeDocument/2006/relationships" xmlns:p="http://schemas.openxmlformats.org/presentationml/2006/main">
+  <p:cSld>
+    <p:spTree>
+      <p:nvGrpSpPr>
+        <p:cNvPr id="1" name=""/>
+        <p:cNvGrpSpPr/>
+        <p:nvPr/>
+      </p:nvGrpSpPr>
+      <p:grpSpPr>
+        <a:xfrm>
+          <a:off x="0" y="0"/>
+          <a:ext cx="0" cy="0"/>
+          <a:chOff x="0" y="0"/>
+          <a:chExt cx="0" cy="0"/>
+        </a:xfrm>
+      </p:grpSpPr>
+      <p:sp>
+        <p:nvSpPr>
+          <p:cNvPr id="3" name="TextBox 2"/>
+          <p:cNvSpPr txBox="1"/>
+          <p:nvPr/>
+        </p:nvSpPr>
+        <p:spPr>
+          <a:xfrm>
+            <a:off x="4599891" y="3758278"/>
+            <a:ext cx="184666" cy="369332"/>
+          </a:xfrm>
+          <a:prstGeom prst="rect">
+            <a:avLst/>
+          </a:prstGeom>
+          <a:noFill/>
+        </p:spPr>
+        <p:txBody>
+          <a:bodyPr wrap="none" rtlCol="0">
+            <a:spAutoFit/>
+          </a:bodyPr>
+          <a:lstStyle/>
+          <a:p>
+            <a:endParaRPr lang="en-US" dirty="0"/>
+          </a:p>
+        </p:txBody>
+      </p:sp>
+      <p:sp>
+        <p:nvSpPr>
+          <p:cNvPr id="7" name="Rectangle 6"/>
+          <p:cNvSpPr/>
+          <p:nvPr/>
+        </p:nvSpPr>
+        <p:spPr>
+          <a:xfrm>
+            <a:off x="0" y="5920576"/>
+            <a:ext cx="9144000" cy="937424"/>
+          </a:xfrm>
+          <a:prstGeom prst="rect">
+            <a:avLst/>
+          </a:prstGeom>
+          <a:gradFill>
+            <a:gsLst>
+              <a:gs pos="0">
+                <a:schemeClr val="tx2"/>
+              </a:gs>
+              <a:gs pos="100000">
+                <a:schemeClr val="accent1"/>
+              </a:gs>
+            </a:gsLst>
+          </a:gradFill>
+        </p:spPr>
+        <p:style>
+          <a:lnRef idx="1">
+            <a:schemeClr val="accent1"/>
+          </a:lnRef>
+          <a:fillRef idx="3">
+            <a:schemeClr val="accent1"/>
+          </a:fillRef>
+          <a:effectRef idx="2">
+            <a:schemeClr val="accent1"/>
+          </a:effectRef>
+          <a:fontRef idx="minor">
+            <a:schemeClr val="lt1"/>
+          </a:fontRef>
+        </p:style>
+        <p:txBody>
+          <a:bodyPr rtlCol="0" anchor="ctr"/>
+          <a:lstStyle/>
+          <a:p>
+            <a:pPr algn="ctr"/>
+            <a:r>
+              <a:rPr lang="en-US" sz="4000" dirty="0" smtClean="0">
+                <a:sym typeface="Wingdings"/>
+              </a:rPr>
+              <a:t>Did Chelsea deserve to win?</a:t>
+            </a:r>
+            <a:endParaRPr lang="en-US" sz="4000" dirty="0"/>
+          </a:p>
+        </p:txBody>
+      </p:sp>
+      <p:pic>
+        <p:nvPicPr>
+          <p:cNvPr id="12" name="Picture 11"/>
+          <p:cNvPicPr>
+            <a:picLocks noChangeAspect="1"/>
+          </p:cNvPicPr>
+          <p:nvPr/>
+        </p:nvPicPr>
+        <p:blipFill>
+          <a:blip r:embed="rId3"/>
+          <a:stretch>
+            <a:fillRect/>
+          </a:stretch>
+        </p:blipFill>
+        <p:spPr>
+          <a:xfrm>
+            <a:off x="0" y="1308100"/>
+            <a:ext cx="9144000" cy="3717590"/>
+          </a:xfrm>
+          <a:prstGeom prst="rect">
+            <a:avLst/>
+          </a:prstGeom>
+        </p:spPr>
+      </p:pic>
+    </p:spTree>
+    <p:extLst>
+      <p:ext uri="{BB962C8B-B14F-4D97-AF65-F5344CB8AC3E}">
+        <p14:creationId xmlns:p14="http://schemas.microsoft.com/office/powerpoint/2010/main" val="2662375558"/>
+      </p:ext>
+    </p:extLst>
+  </p:cSld>
+  <p:clrMapOvr>
+    <a:masterClrMapping/>
+  </p:clrMapOvr>
+  <p:timing>
+    <p:tnLst>
+      <p:par>
+        <p:cTn xmlns:p14="http://schemas.microsoft.com/office/powerpoint/2010/main" id="1" dur="indefinite" restart="never" nodeType="tmRoot"/>
+      </p:par>
+    </p:tnLst>
+  </p:timing>
+</p:sld>
+</file>
+
+<file path=ppt/slides/slide43.xml><?xml version="1.0" encoding="utf-8"?>
+<p:sld xmlns:a="http://schemas.openxmlformats.org/drawingml/2006/main" xmlns:r="http://schemas.openxmlformats.org/officeDocument/2006/relationships" xmlns:p="http://schemas.openxmlformats.org/presentationml/2006/main">
+  <p:cSld>
+    <p:spTree>
+      <p:nvGrpSpPr>
+        <p:cNvPr id="1" name=""/>
+        <p:cNvGrpSpPr/>
+        <p:nvPr/>
+      </p:nvGrpSpPr>
+      <p:grpSpPr>
+        <a:xfrm>
+          <a:off x="0" y="0"/>
+          <a:ext cx="0" cy="0"/>
+          <a:chOff x="0" y="0"/>
+          <a:chExt cx="0" cy="0"/>
+        </a:xfrm>
+      </p:grpSpPr>
+      <p:sp>
+        <p:nvSpPr>
+          <p:cNvPr id="3" name="TextBox 2"/>
+          <p:cNvSpPr txBox="1"/>
+          <p:nvPr/>
+        </p:nvSpPr>
+        <p:spPr>
+          <a:xfrm>
+            <a:off x="4599891" y="3758278"/>
+            <a:ext cx="184666" cy="369332"/>
+          </a:xfrm>
+          <a:prstGeom prst="rect">
+            <a:avLst/>
+          </a:prstGeom>
+          <a:noFill/>
+        </p:spPr>
+        <p:txBody>
+          <a:bodyPr wrap="none" rtlCol="0">
+            <a:spAutoFit/>
+          </a:bodyPr>
+          <a:lstStyle/>
+          <a:p>
+            <a:endParaRPr lang="en-US" dirty="0"/>
+          </a:p>
+        </p:txBody>
+      </p:sp>
+      <p:sp>
+        <p:nvSpPr>
+          <p:cNvPr id="7" name="Rectangle 6"/>
+          <p:cNvSpPr/>
+          <p:nvPr/>
+        </p:nvSpPr>
+        <p:spPr>
+          <a:xfrm>
+            <a:off x="0" y="5920576"/>
+            <a:ext cx="9144000" cy="937424"/>
+          </a:xfrm>
+          <a:prstGeom prst="rect">
+            <a:avLst/>
+          </a:prstGeom>
+          <a:gradFill>
+            <a:gsLst>
+              <a:gs pos="0">
+                <a:schemeClr val="tx2"/>
+              </a:gs>
+              <a:gs pos="100000">
+                <a:schemeClr val="accent1"/>
+              </a:gs>
+            </a:gsLst>
+          </a:gradFill>
+        </p:spPr>
+        <p:style>
+          <a:lnRef idx="1">
+            <a:schemeClr val="accent1"/>
+          </a:lnRef>
+          <a:fillRef idx="3">
+            <a:schemeClr val="accent1"/>
+          </a:fillRef>
+          <a:effectRef idx="2">
+            <a:schemeClr val="accent1"/>
+          </a:effectRef>
+          <a:fontRef idx="minor">
+            <a:schemeClr val="lt1"/>
+          </a:fontRef>
+        </p:style>
+        <p:txBody>
+          <a:bodyPr rtlCol="0" anchor="ctr"/>
+          <a:lstStyle/>
+          <a:p>
+            <a:pPr algn="ctr"/>
+            <a:r>
+              <a:rPr lang="en-US" sz="4000" dirty="0" smtClean="0">
+                <a:sym typeface="Wingdings"/>
+              </a:rPr>
+              <a:t>Where are Barcelona?</a:t>
+            </a:r>
+            <a:endParaRPr lang="en-US" sz="4000" dirty="0"/>
+          </a:p>
+        </p:txBody>
+      </p:sp>
+      <p:pic>
+        <p:nvPicPr>
+          <p:cNvPr id="6" name="Picture 5"/>
+          <p:cNvPicPr>
+            <a:picLocks noChangeAspect="1"/>
+          </p:cNvPicPr>
+          <p:nvPr/>
+        </p:nvPicPr>
+        <p:blipFill>
+          <a:blip r:embed="rId3"/>
+          <a:stretch>
+            <a:fillRect/>
+          </a:stretch>
+        </p:blipFill>
+        <p:spPr>
+          <a:xfrm>
+            <a:off x="0" y="1409700"/>
+            <a:ext cx="9144000" cy="3524250"/>
+          </a:xfrm>
+          <a:prstGeom prst="rect">
+            <a:avLst/>
+          </a:prstGeom>
+        </p:spPr>
+      </p:pic>
+    </p:spTree>
+    <p:extLst>
+      <p:ext uri="{BB962C8B-B14F-4D97-AF65-F5344CB8AC3E}">
+        <p14:creationId xmlns:p14="http://schemas.microsoft.com/office/powerpoint/2010/main" val="1558409278"/>
+      </p:ext>
+    </p:extLst>
+  </p:cSld>
+  <p:clrMapOvr>
+    <a:masterClrMapping/>
+  </p:clrMapOvr>
+  <p:timing>
+    <p:tnLst>
+      <p:par>
+        <p:cTn xmlns:p14="http://schemas.microsoft.com/office/powerpoint/2010/main" id="1" dur="indefinite" restart="never" nodeType="tmRoot"/>
+      </p:par>
+    </p:tnLst>
+  </p:timing>
+</p:sld>
+</file>
+
+<file path=ppt/slides/slide44.xml><?xml version="1.0" encoding="utf-8"?>
+<p:sld xmlns:a="http://schemas.openxmlformats.org/drawingml/2006/main" xmlns:r="http://schemas.openxmlformats.org/officeDocument/2006/relationships" xmlns:p="http://schemas.openxmlformats.org/presentationml/2006/main">
+  <p:cSld>
+    <p:spTree>
+      <p:nvGrpSpPr>
+        <p:cNvPr id="1" name=""/>
+        <p:cNvGrpSpPr/>
+        <p:nvPr/>
+      </p:nvGrpSpPr>
+      <p:grpSpPr>
+        <a:xfrm>
+          <a:off x="0" y="0"/>
+          <a:ext cx="0" cy="0"/>
+          <a:chOff x="0" y="0"/>
+          <a:chExt cx="0" cy="0"/>
+        </a:xfrm>
+      </p:grpSpPr>
+      <p:sp>
+        <p:nvSpPr>
+          <p:cNvPr id="3" name="TextBox 2"/>
+          <p:cNvSpPr txBox="1"/>
+          <p:nvPr/>
+        </p:nvSpPr>
+        <p:spPr>
+          <a:xfrm>
+            <a:off x="4599891" y="3758278"/>
+            <a:ext cx="184666" cy="369332"/>
+          </a:xfrm>
+          <a:prstGeom prst="rect">
+            <a:avLst/>
+          </a:prstGeom>
+          <a:noFill/>
+        </p:spPr>
+        <p:txBody>
+          <a:bodyPr wrap="none" rtlCol="0">
+            <a:spAutoFit/>
+          </a:bodyPr>
+          <a:lstStyle/>
+          <a:p>
+            <a:endParaRPr lang="en-US" dirty="0"/>
+          </a:p>
+        </p:txBody>
+      </p:sp>
+      <p:sp>
+        <p:nvSpPr>
+          <p:cNvPr id="7" name="Rectangle 6"/>
+          <p:cNvSpPr/>
+          <p:nvPr/>
+        </p:nvSpPr>
+        <p:spPr>
+          <a:xfrm>
+            <a:off x="0" y="5920576"/>
+            <a:ext cx="9144000" cy="937424"/>
+          </a:xfrm>
+          <a:prstGeom prst="rect">
+            <a:avLst/>
+          </a:prstGeom>
+          <a:gradFill>
+            <a:gsLst>
+              <a:gs pos="0">
+                <a:schemeClr val="tx2"/>
+              </a:gs>
+              <a:gs pos="100000">
+                <a:schemeClr val="accent1"/>
+              </a:gs>
+            </a:gsLst>
+          </a:gradFill>
+        </p:spPr>
+        <p:style>
+          <a:lnRef idx="1">
+            <a:schemeClr val="accent1"/>
+          </a:lnRef>
+          <a:fillRef idx="3">
+            <a:schemeClr val="accent1"/>
+          </a:fillRef>
+          <a:effectRef idx="2">
+            <a:schemeClr val="accent1"/>
+          </a:effectRef>
+          <a:fontRef idx="minor">
+            <a:schemeClr val="lt1"/>
+          </a:fontRef>
+        </p:style>
+        <p:txBody>
+          <a:bodyPr rtlCol="0" anchor="ctr"/>
+          <a:lstStyle/>
+          <a:p>
+            <a:pPr algn="ctr"/>
+            <a:r>
+              <a:rPr lang="en-US" sz="4000" dirty="0" smtClean="0">
+                <a:sym typeface="Wingdings"/>
+              </a:rPr>
+              <a:t>Where are Barcelona?</a:t>
+            </a:r>
+            <a:endParaRPr lang="en-US" sz="4000" dirty="0"/>
+          </a:p>
+        </p:txBody>
+      </p:sp>
+      <p:pic>
+        <p:nvPicPr>
+          <p:cNvPr id="5" name="Picture 4"/>
+          <p:cNvPicPr>
+            <a:picLocks noChangeAspect="1"/>
+          </p:cNvPicPr>
+          <p:nvPr/>
+        </p:nvPicPr>
+        <p:blipFill>
+          <a:blip r:embed="rId3"/>
+          <a:stretch>
+            <a:fillRect/>
+          </a:stretch>
+        </p:blipFill>
+        <p:spPr>
+          <a:xfrm>
+            <a:off x="0" y="1876425"/>
+            <a:ext cx="9144000" cy="2309880"/>
+          </a:xfrm>
+          <a:prstGeom prst="rect">
+            <a:avLst/>
+          </a:prstGeom>
+        </p:spPr>
+      </p:pic>
+    </p:spTree>
+    <p:extLst>
+      <p:ext uri="{BB962C8B-B14F-4D97-AF65-F5344CB8AC3E}">
+        <p14:creationId xmlns:p14="http://schemas.microsoft.com/office/powerpoint/2010/main" val="3159410085"/>
+      </p:ext>
+    </p:extLst>
+  </p:cSld>
+  <p:clrMapOvr>
+    <a:masterClrMapping/>
+  </p:clrMapOvr>
+  <p:timing>
+    <p:tnLst>
+      <p:par>
+        <p:cTn xmlns:p14="http://schemas.microsoft.com/office/powerpoint/2010/main" id="1" dur="indefinite" restart="never" nodeType="tmRoot"/>
+      </p:par>
+    </p:tnLst>
+  </p:timing>
+</p:sld>
+</file>
+
+<file path=ppt/slides/slide45.xml><?xml version="1.0" encoding="utf-8"?>
+<p:sld xmlns:a="http://schemas.openxmlformats.org/drawingml/2006/main" xmlns:r="http://schemas.openxmlformats.org/officeDocument/2006/relationships" xmlns:p="http://schemas.openxmlformats.org/presentationml/2006/main">
+  <p:cSld>
+    <p:spTree>
+      <p:nvGrpSpPr>
+        <p:cNvPr id="1" name=""/>
+        <p:cNvGrpSpPr/>
+        <p:nvPr/>
+      </p:nvGrpSpPr>
+      <p:grpSpPr>
+        <a:xfrm>
+          <a:off x="0" y="0"/>
+          <a:ext cx="0" cy="0"/>
+          <a:chOff x="0" y="0"/>
+          <a:chExt cx="0" cy="0"/>
+        </a:xfrm>
+      </p:grpSpPr>
+      <p:sp>
+        <p:nvSpPr>
+          <p:cNvPr id="3" name="TextBox 2"/>
+          <p:cNvSpPr txBox="1"/>
+          <p:nvPr/>
+        </p:nvSpPr>
+        <p:spPr>
+          <a:xfrm>
+            <a:off x="4599891" y="3758278"/>
+            <a:ext cx="184666" cy="369332"/>
+          </a:xfrm>
+          <a:prstGeom prst="rect">
+            <a:avLst/>
+          </a:prstGeom>
+          <a:noFill/>
+        </p:spPr>
+        <p:txBody>
+          <a:bodyPr wrap="none" rtlCol="0">
+            <a:spAutoFit/>
+          </a:bodyPr>
+          <a:lstStyle/>
+          <a:p>
+            <a:endParaRPr lang="en-US" dirty="0"/>
+          </a:p>
+        </p:txBody>
+      </p:sp>
+      <p:sp>
+        <p:nvSpPr>
+          <p:cNvPr id="7" name="Rectangle 6"/>
+          <p:cNvSpPr/>
+          <p:nvPr/>
+        </p:nvSpPr>
+        <p:spPr>
+          <a:xfrm>
+            <a:off x="0" y="5920576"/>
+            <a:ext cx="9144000" cy="937424"/>
+          </a:xfrm>
+          <a:prstGeom prst="rect">
+            <a:avLst/>
+          </a:prstGeom>
+          <a:gradFill>
+            <a:gsLst>
+              <a:gs pos="0">
+                <a:schemeClr val="tx2"/>
+              </a:gs>
+              <a:gs pos="100000">
+                <a:schemeClr val="accent1"/>
+              </a:gs>
+            </a:gsLst>
+          </a:gradFill>
+        </p:spPr>
+        <p:style>
+          <a:lnRef idx="1">
+            <a:schemeClr val="accent1"/>
+          </a:lnRef>
+          <a:fillRef idx="3">
+            <a:schemeClr val="accent1"/>
+          </a:fillRef>
+          <a:effectRef idx="2">
+            <a:schemeClr val="accent1"/>
+          </a:effectRef>
+          <a:fontRef idx="minor">
+            <a:schemeClr val="lt1"/>
+          </a:fontRef>
+        </p:style>
+        <p:txBody>
+          <a:bodyPr rtlCol="0" anchor="ctr"/>
+          <a:lstStyle/>
+          <a:p>
+            <a:pPr algn="ctr"/>
+            <a:r>
+              <a:rPr lang="en-US" sz="4000" dirty="0" smtClean="0">
+                <a:sym typeface="Wingdings"/>
+              </a:rPr>
+              <a:t>Our “</a:t>
+            </a:r>
+            <a:r>
+              <a:rPr lang="en-US" sz="4000" dirty="0" smtClean="0">
+                <a:sym typeface="Wingdings"/>
+              </a:rPr>
+              <a:t>problems” so far</a:t>
+            </a:r>
+            <a:endParaRPr lang="en-US" sz="4000" dirty="0"/>
+          </a:p>
+        </p:txBody>
+      </p:sp>
+      <p:sp>
+        <p:nvSpPr>
+          <p:cNvPr id="4" name="TextBox 3"/>
+          <p:cNvSpPr txBox="1"/>
+          <p:nvPr/>
+        </p:nvSpPr>
+        <p:spPr>
+          <a:xfrm>
+            <a:off x="184580" y="1236637"/>
+            <a:ext cx="8832420" cy="3785652"/>
+          </a:xfrm>
+          <a:prstGeom prst="rect">
+            <a:avLst/>
+          </a:prstGeom>
+          <a:noFill/>
+        </p:spPr>
+        <p:txBody>
+          <a:bodyPr wrap="square" rtlCol="0">
+            <a:spAutoFit/>
+          </a:bodyPr>
+          <a:lstStyle/>
+          <a:p>
+            <a:pPr marL="285750" indent="-285750">
+              <a:buFont typeface="Arial"/>
+              <a:buChar char="•"/>
+            </a:pPr>
+            <a:r>
+              <a:rPr lang="en-US" sz="4000" dirty="0" smtClean="0"/>
+              <a:t>Everyone starts with the same base rating</a:t>
+            </a:r>
+          </a:p>
+          <a:p>
+            <a:pPr marL="285750" indent="-285750">
+              <a:buFont typeface="Arial"/>
+              <a:buChar char="•"/>
+            </a:pPr>
+            <a:r>
+              <a:rPr lang="en-US" sz="4000" dirty="0" smtClean="0"/>
+              <a:t>Winning matters rather than making progress in the tournament</a:t>
+            </a:r>
+          </a:p>
+          <a:p>
+            <a:pPr marL="285750" indent="-285750">
+              <a:buFont typeface="Arial"/>
+              <a:buChar char="•"/>
+            </a:pPr>
+            <a:r>
+              <a:rPr lang="en-US" sz="4000" dirty="0" smtClean="0"/>
+              <a:t>Ratings don’t change significantly game to game</a:t>
+            </a:r>
+            <a:endParaRPr lang="en-US" sz="4000" dirty="0"/>
+          </a:p>
+        </p:txBody>
+      </p:sp>
+    </p:spTree>
+    <p:extLst>
+      <p:ext uri="{BB962C8B-B14F-4D97-AF65-F5344CB8AC3E}">
+        <p14:creationId xmlns:p14="http://schemas.microsoft.com/office/powerpoint/2010/main" val="515292463"/>
+      </p:ext>
+    </p:extLst>
+  </p:cSld>
+  <p:clrMapOvr>
+    <a:masterClrMapping/>
+  </p:clrMapOvr>
+  <p:timing>
+    <p:tnLst>
+      <p:par>
+        <p:cTn xmlns:p14="http://schemas.microsoft.com/office/powerpoint/2010/main" id="1" dur="indefinite" restart="never" nodeType="tmRoot"/>
+      </p:par>
+    </p:tnLst>
+  </p:timing>
+</p:sld>
+</file>
+
+<file path=ppt/slides/slide46.xml><?xml version="1.0" encoding="utf-8"?>
+<p:sld xmlns:a="http://schemas.openxmlformats.org/drawingml/2006/main" xmlns:r="http://schemas.openxmlformats.org/officeDocument/2006/relationships" xmlns:p="http://schemas.openxmlformats.org/presentationml/2006/main">
+  <p:cSld>
+    <p:spTree>
+      <p:nvGrpSpPr>
+        <p:cNvPr id="1" name=""/>
+        <p:cNvGrpSpPr/>
+        <p:nvPr/>
+      </p:nvGrpSpPr>
+      <p:grpSpPr>
+        <a:xfrm>
+          <a:off x="0" y="0"/>
+          <a:ext cx="0" cy="0"/>
+          <a:chOff x="0" y="0"/>
+          <a:chExt cx="0" cy="0"/>
+        </a:xfrm>
+      </p:grpSpPr>
+      <p:sp>
+        <p:nvSpPr>
+          <p:cNvPr id="3" name="TextBox 2"/>
+          <p:cNvSpPr txBox="1"/>
+          <p:nvPr/>
+        </p:nvSpPr>
+        <p:spPr>
+          <a:xfrm>
+            <a:off x="4599891" y="3758278"/>
+            <a:ext cx="184666" cy="369332"/>
+          </a:xfrm>
+          <a:prstGeom prst="rect">
+            <a:avLst/>
+          </a:prstGeom>
+          <a:noFill/>
+        </p:spPr>
+        <p:txBody>
+          <a:bodyPr wrap="none" rtlCol="0">
+            <a:spAutoFit/>
+          </a:bodyPr>
+          <a:lstStyle/>
+          <a:p>
+            <a:endParaRPr lang="en-US" dirty="0"/>
+          </a:p>
+        </p:txBody>
+      </p:sp>
+      <p:sp>
+        <p:nvSpPr>
+          <p:cNvPr id="7" name="Rectangle 6"/>
+          <p:cNvSpPr/>
+          <p:nvPr/>
+        </p:nvSpPr>
+        <p:spPr>
+          <a:xfrm>
+            <a:off x="0" y="5920576"/>
+            <a:ext cx="9144000" cy="937424"/>
+          </a:xfrm>
+          <a:prstGeom prst="rect">
+            <a:avLst/>
+          </a:prstGeom>
+          <a:gradFill>
+            <a:gsLst>
+              <a:gs pos="0">
+                <a:schemeClr val="tx2"/>
+              </a:gs>
+              <a:gs pos="100000">
+                <a:schemeClr val="accent1"/>
+              </a:gs>
+            </a:gsLst>
+          </a:gradFill>
+        </p:spPr>
+        <p:style>
+          <a:lnRef idx="1">
+            <a:schemeClr val="accent1"/>
+          </a:lnRef>
+          <a:fillRef idx="3">
+            <a:schemeClr val="accent1"/>
+          </a:fillRef>
+          <a:effectRef idx="2">
+            <a:schemeClr val="accent1"/>
+          </a:effectRef>
+          <a:fontRef idx="minor">
+            <a:schemeClr val="lt1"/>
+          </a:fontRef>
+        </p:style>
+        <p:txBody>
+          <a:bodyPr rtlCol="0" anchor="ctr"/>
+          <a:lstStyle/>
+          <a:p>
+            <a:pPr algn="ctr"/>
+            <a:r>
+              <a:rPr lang="en-US" sz="4000" dirty="0" smtClean="0">
+                <a:sym typeface="Wingdings"/>
+              </a:rPr>
+              <a:t>2004 - 2012</a:t>
+            </a:r>
+            <a:endParaRPr lang="en-US" sz="4000" dirty="0"/>
+          </a:p>
+        </p:txBody>
+      </p:sp>
+      <p:pic>
+        <p:nvPicPr>
+          <p:cNvPr id="4" name="Picture 3"/>
+          <p:cNvPicPr>
+            <a:picLocks noChangeAspect="1"/>
+          </p:cNvPicPr>
+          <p:nvPr/>
+        </p:nvPicPr>
+        <p:blipFill>
+          <a:blip r:embed="rId3"/>
+          <a:stretch>
+            <a:fillRect/>
+          </a:stretch>
+        </p:blipFill>
+        <p:spPr>
+          <a:xfrm>
+            <a:off x="0" y="1104900"/>
+            <a:ext cx="9144000" cy="3996267"/>
+          </a:xfrm>
+          <a:prstGeom prst="rect">
+            <a:avLst/>
+          </a:prstGeom>
+        </p:spPr>
+      </p:pic>
+    </p:spTree>
+    <p:extLst>
+      <p:ext uri="{BB962C8B-B14F-4D97-AF65-F5344CB8AC3E}">
+        <p14:creationId xmlns:p14="http://schemas.microsoft.com/office/powerpoint/2010/main" val="3096984085"/>
+      </p:ext>
+    </p:extLst>
+  </p:cSld>
+  <p:clrMapOvr>
+    <a:masterClrMapping/>
+  </p:clrMapOvr>
+  <p:timing>
+    <p:tnLst>
+      <p:par>
+        <p:cTn xmlns:p14="http://schemas.microsoft.com/office/powerpoint/2010/main" id="1" dur="indefinite" restart="never" nodeType="tmRoot"/>
+      </p:par>
+    </p:tnLst>
+  </p:timing>
+</p:sld>
+</file>
+
+<file path=ppt/slides/slide47.xml><?xml version="1.0" encoding="utf-8"?>
+<p:sld xmlns:a="http://schemas.openxmlformats.org/drawingml/2006/main" xmlns:r="http://schemas.openxmlformats.org/officeDocument/2006/relationships" xmlns:p="http://schemas.openxmlformats.org/presentationml/2006/main">
+  <p:cSld>
+    <p:spTree>
+      <p:nvGrpSpPr>
+        <p:cNvPr id="1" name=""/>
+        <p:cNvGrpSpPr/>
+        <p:nvPr/>
+      </p:nvGrpSpPr>
+      <p:grpSpPr>
+        <a:xfrm>
+          <a:off x="0" y="0"/>
+          <a:ext cx="0" cy="0"/>
+          <a:chOff x="0" y="0"/>
+          <a:chExt cx="0" cy="0"/>
+        </a:xfrm>
+      </p:grpSpPr>
+      <p:sp>
+        <p:nvSpPr>
+          <p:cNvPr id="3" name="TextBox 2"/>
+          <p:cNvSpPr txBox="1"/>
+          <p:nvPr/>
+        </p:nvSpPr>
+        <p:spPr>
+          <a:xfrm>
+            <a:off x="4599891" y="3758278"/>
+            <a:ext cx="184666" cy="369332"/>
+          </a:xfrm>
+          <a:prstGeom prst="rect">
+            <a:avLst/>
+          </a:prstGeom>
+          <a:noFill/>
+        </p:spPr>
+        <p:txBody>
+          <a:bodyPr wrap="none" rtlCol="0">
+            <a:spAutoFit/>
+          </a:bodyPr>
+          <a:lstStyle/>
+          <a:p>
+            <a:endParaRPr lang="en-US" dirty="0"/>
+          </a:p>
+        </p:txBody>
+      </p:sp>
+      <p:sp>
+        <p:nvSpPr>
+          <p:cNvPr id="7" name="Rectangle 6"/>
+          <p:cNvSpPr/>
+          <p:nvPr/>
+        </p:nvSpPr>
+        <p:spPr>
+          <a:xfrm>
+            <a:off x="0" y="5920576"/>
+            <a:ext cx="9144000" cy="937424"/>
+          </a:xfrm>
+          <a:prstGeom prst="rect">
+            <a:avLst/>
+          </a:prstGeom>
+          <a:gradFill>
+            <a:gsLst>
+              <a:gs pos="0">
+                <a:schemeClr val="tx2"/>
+              </a:gs>
+              <a:gs pos="100000">
+                <a:schemeClr val="accent1"/>
+              </a:gs>
+            </a:gsLst>
+          </a:gradFill>
+        </p:spPr>
+        <p:style>
+          <a:lnRef idx="1">
+            <a:schemeClr val="accent1"/>
+          </a:lnRef>
+          <a:fillRef idx="3">
+            <a:schemeClr val="accent1"/>
+          </a:fillRef>
+          <a:effectRef idx="2">
+            <a:schemeClr val="accent1"/>
+          </a:effectRef>
+          <a:fontRef idx="minor">
+            <a:schemeClr val="lt1"/>
+          </a:fontRef>
+        </p:style>
+        <p:txBody>
+          <a:bodyPr rtlCol="0" anchor="ctr"/>
+          <a:lstStyle/>
+          <a:p>
+            <a:pPr algn="ctr"/>
+            <a:r>
+              <a:rPr lang="en-US" sz="4000" dirty="0" smtClean="0">
+                <a:sym typeface="Wingdings"/>
+              </a:rPr>
+              <a:t>2004 - 2013</a:t>
+            </a:r>
+            <a:endParaRPr lang="en-US" sz="4000" dirty="0"/>
+          </a:p>
+        </p:txBody>
+      </p:sp>
+      <p:pic>
+        <p:nvPicPr>
+          <p:cNvPr id="5" name="Picture 4"/>
+          <p:cNvPicPr>
+            <a:picLocks noChangeAspect="1"/>
+          </p:cNvPicPr>
+          <p:nvPr/>
+        </p:nvPicPr>
+        <p:blipFill>
+          <a:blip r:embed="rId3"/>
+          <a:stretch>
+            <a:fillRect/>
+          </a:stretch>
+        </p:blipFill>
+        <p:spPr>
+          <a:xfrm>
+            <a:off x="0" y="1390650"/>
+            <a:ext cx="9144000" cy="3368842"/>
+          </a:xfrm>
+          <a:prstGeom prst="rect">
+            <a:avLst/>
+          </a:prstGeom>
+        </p:spPr>
+      </p:pic>
+    </p:spTree>
+    <p:extLst>
+      <p:ext uri="{BB962C8B-B14F-4D97-AF65-F5344CB8AC3E}">
+        <p14:creationId xmlns:p14="http://schemas.microsoft.com/office/powerpoint/2010/main" val="3108820200"/>
+      </p:ext>
+    </p:extLst>
+  </p:cSld>
+  <p:clrMapOvr>
+    <a:masterClrMapping/>
+  </p:clrMapOvr>
+  <p:timing>
+    <p:tnLst>
+      <p:par>
+        <p:cTn xmlns:p14="http://schemas.microsoft.com/office/powerpoint/2010/main" id="1" dur="indefinite" restart="never" nodeType="tmRoot"/>
+      </p:par>
+    </p:tnLst>
+  </p:timing>
+</p:sld>
+</file>
+
+<file path=ppt/slides/slide48.xml><?xml version="1.0" encoding="utf-8"?>
+<p:sld xmlns:a="http://schemas.openxmlformats.org/drawingml/2006/main" xmlns:r="http://schemas.openxmlformats.org/officeDocument/2006/relationships" xmlns:p="http://schemas.openxmlformats.org/presentationml/2006/main">
+  <p:cSld>
+    <p:spTree>
+      <p:nvGrpSpPr>
+        <p:cNvPr id="1" name=""/>
+        <p:cNvGrpSpPr/>
+        <p:nvPr/>
+      </p:nvGrpSpPr>
+      <p:grpSpPr>
+        <a:xfrm>
+          <a:off x="0" y="0"/>
+          <a:ext cx="0" cy="0"/>
+          <a:chOff x="0" y="0"/>
+          <a:chExt cx="0" cy="0"/>
+        </a:xfrm>
+      </p:grpSpPr>
+      <p:sp>
+        <p:nvSpPr>
+          <p:cNvPr id="3" name="TextBox 2"/>
+          <p:cNvSpPr txBox="1"/>
+          <p:nvPr/>
+        </p:nvSpPr>
+        <p:spPr>
+          <a:xfrm>
+            <a:off x="4599891" y="3758278"/>
+            <a:ext cx="184666" cy="369332"/>
+          </a:xfrm>
+          <a:prstGeom prst="rect">
+            <a:avLst/>
+          </a:prstGeom>
+          <a:noFill/>
+        </p:spPr>
+        <p:txBody>
+          <a:bodyPr wrap="none" rtlCol="0">
+            <a:spAutoFit/>
+          </a:bodyPr>
+          <a:lstStyle/>
+          <a:p>
+            <a:endParaRPr lang="en-US" dirty="0"/>
+          </a:p>
+        </p:txBody>
+      </p:sp>
+      <p:sp>
+        <p:nvSpPr>
+          <p:cNvPr id="7" name="Rectangle 6"/>
+          <p:cNvSpPr/>
+          <p:nvPr/>
+        </p:nvSpPr>
+        <p:spPr>
+          <a:xfrm>
+            <a:off x="0" y="5920576"/>
+            <a:ext cx="9144000" cy="937424"/>
+          </a:xfrm>
+          <a:prstGeom prst="rect">
+            <a:avLst/>
+          </a:prstGeom>
+          <a:gradFill>
+            <a:gsLst>
+              <a:gs pos="0">
+                <a:schemeClr val="tx2"/>
+              </a:gs>
+              <a:gs pos="100000">
+                <a:schemeClr val="accent1"/>
+              </a:gs>
+            </a:gsLst>
+          </a:gradFill>
+        </p:spPr>
+        <p:style>
+          <a:lnRef idx="1">
+            <a:schemeClr val="accent1"/>
+          </a:lnRef>
+          <a:fillRef idx="3">
+            <a:schemeClr val="accent1"/>
+          </a:fillRef>
+          <a:effectRef idx="2">
+            <a:schemeClr val="accent1"/>
+          </a:effectRef>
+          <a:fontRef idx="minor">
+            <a:schemeClr val="lt1"/>
+          </a:fontRef>
+        </p:style>
+        <p:txBody>
+          <a:bodyPr rtlCol="0" anchor="ctr"/>
+          <a:lstStyle/>
+          <a:p>
+            <a:pPr algn="ctr"/>
+            <a:r>
+              <a:rPr lang="en-US" sz="4000" dirty="0" smtClean="0">
+                <a:sym typeface="Wingdings"/>
+              </a:rPr>
+              <a:t>2012/2013 using 2004-2008 base ratings</a:t>
+            </a:r>
+            <a:endParaRPr lang="en-US" sz="4000" dirty="0"/>
+          </a:p>
+        </p:txBody>
+      </p:sp>
+      <p:pic>
+        <p:nvPicPr>
+          <p:cNvPr id="2" name="Picture 1"/>
+          <p:cNvPicPr>
+            <a:picLocks noChangeAspect="1"/>
+          </p:cNvPicPr>
+          <p:nvPr/>
+        </p:nvPicPr>
+        <p:blipFill>
+          <a:blip r:embed="rId3"/>
+          <a:stretch>
+            <a:fillRect/>
+          </a:stretch>
+        </p:blipFill>
+        <p:spPr>
+          <a:xfrm>
+            <a:off x="0" y="1343025"/>
+            <a:ext cx="9144000" cy="3489614"/>
+          </a:xfrm>
+          <a:prstGeom prst="rect">
+            <a:avLst/>
+          </a:prstGeom>
+        </p:spPr>
+      </p:pic>
+    </p:spTree>
+    <p:extLst>
+      <p:ext uri="{BB962C8B-B14F-4D97-AF65-F5344CB8AC3E}">
+        <p14:creationId xmlns:p14="http://schemas.microsoft.com/office/powerpoint/2010/main" val="1705798813"/>
+      </p:ext>
+    </p:extLst>
+  </p:cSld>
+  <p:clrMapOvr>
+    <a:masterClrMapping/>
+  </p:clrMapOvr>
+  <p:timing>
+    <p:tnLst>
+      <p:par>
+        <p:cTn xmlns:p14="http://schemas.microsoft.com/office/powerpoint/2010/main" id="1" dur="indefinite" restart="never" nodeType="tmRoot"/>
+      </p:par>
+    </p:tnLst>
+  </p:timing>
+</p:sld>
+</file>
+
+<file path=ppt/slides/slide49.xml><?xml version="1.0" encoding="utf-8"?>
+<p:sld xmlns:a="http://schemas.openxmlformats.org/drawingml/2006/main" xmlns:r="http://schemas.openxmlformats.org/officeDocument/2006/relationships" xmlns:p="http://schemas.openxmlformats.org/presentationml/2006/main">
+  <p:cSld>
+    <p:spTree>
+      <p:nvGrpSpPr>
+        <p:cNvPr id="1" name=""/>
+        <p:cNvGrpSpPr/>
+        <p:nvPr/>
+      </p:nvGrpSpPr>
+      <p:grpSpPr>
+        <a:xfrm>
+          <a:off x="0" y="0"/>
+          <a:ext cx="0" cy="0"/>
+          <a:chOff x="0" y="0"/>
+          <a:chExt cx="0" cy="0"/>
+        </a:xfrm>
+      </p:grpSpPr>
+      <p:sp>
+        <p:nvSpPr>
+          <p:cNvPr id="2" name="TextBox 1"/>
+          <p:cNvSpPr txBox="1"/>
+          <p:nvPr/>
+        </p:nvSpPr>
+        <p:spPr>
+          <a:xfrm>
+            <a:off x="669388" y="772249"/>
+            <a:ext cx="6413238" cy="2862323"/>
+          </a:xfrm>
+          <a:prstGeom prst="rect">
+            <a:avLst/>
+          </a:prstGeom>
+          <a:noFill/>
+        </p:spPr>
+        <p:txBody>
+          <a:bodyPr wrap="square" rtlCol="0">
+            <a:spAutoFit/>
+          </a:bodyPr>
+          <a:lstStyle/>
+          <a:p>
+            <a:r>
+              <a:rPr lang="en-AU" dirty="0" smtClean="0"/>
+              <a:t>This can go after the examples:</a:t>
+            </a:r>
+          </a:p>
+          <a:p>
+            <a:endParaRPr lang="en-AU" dirty="0" smtClean="0"/>
+          </a:p>
+          <a:p>
+            <a:r>
+              <a:rPr lang="en-AU" dirty="0" smtClean="0"/>
+              <a:t>Problems with </a:t>
+            </a:r>
+            <a:r>
+              <a:rPr lang="en-AU" dirty="0" err="1" smtClean="0"/>
+              <a:t>Elo</a:t>
+            </a:r>
+            <a:endParaRPr lang="en-AU" dirty="0" smtClean="0"/>
+          </a:p>
+          <a:p>
+            <a:endParaRPr lang="en-AU" dirty="0" smtClean="0"/>
+          </a:p>
+          <a:p>
+            <a:r>
+              <a:rPr lang="en-AU" dirty="0" smtClean="0"/>
+              <a:t> 1. New players can take a long time to ascend or descend to their correct levels.</a:t>
+            </a:r>
+          </a:p>
+          <a:p>
+            <a:r>
+              <a:rPr lang="en-AU" dirty="0" smtClean="0"/>
+              <a:t>    2. Highly ranked players can be hesitant to play with provisional</a:t>
+            </a:r>
+          </a:p>
+          <a:p>
+            <a:r>
+              <a:rPr lang="en-AU" dirty="0" smtClean="0"/>
+              <a:t>       players whose ranking might be much more uncertain.</a:t>
+            </a:r>
+          </a:p>
+          <a:p>
+            <a:r>
+              <a:rPr lang="en-AU" dirty="0" smtClean="0"/>
+              <a:t>    3. There are no allowances for games with more than two players.</a:t>
+            </a:r>
+            <a:endParaRPr lang="en-US" dirty="0" smtClean="0"/>
+          </a:p>
+        </p:txBody>
+      </p:sp>
+      <p:sp>
+        <p:nvSpPr>
+          <p:cNvPr id="3" name="TextBox 2"/>
+          <p:cNvSpPr txBox="1"/>
+          <p:nvPr/>
+        </p:nvSpPr>
+        <p:spPr>
+          <a:xfrm>
+            <a:off x="4599891" y="3758278"/>
+            <a:ext cx="184666" cy="369332"/>
+          </a:xfrm>
+          <a:prstGeom prst="rect">
+            <a:avLst/>
+          </a:prstGeom>
+          <a:noFill/>
+        </p:spPr>
+        <p:txBody>
+          <a:bodyPr wrap="none" rtlCol="0">
+            <a:spAutoFit/>
+          </a:bodyPr>
+          <a:lstStyle/>
+          <a:p>
+            <a:endParaRPr lang="en-US" dirty="0"/>
+          </a:p>
+        </p:txBody>
+      </p:sp>
+      <p:sp>
+        <p:nvSpPr>
+          <p:cNvPr id="5" name="Rectangle 4"/>
+          <p:cNvSpPr/>
+          <p:nvPr/>
+        </p:nvSpPr>
+        <p:spPr>
+          <a:xfrm>
+            <a:off x="0" y="5920576"/>
+            <a:ext cx="9144000" cy="937424"/>
+          </a:xfrm>
+          <a:prstGeom prst="rect">
+            <a:avLst/>
+          </a:prstGeom>
+          <a:gradFill>
+            <a:gsLst>
+              <a:gs pos="0">
+                <a:schemeClr val="tx2"/>
+              </a:gs>
+              <a:gs pos="100000">
+                <a:schemeClr val="accent1"/>
+              </a:gs>
+            </a:gsLst>
+          </a:gradFill>
+        </p:spPr>
+        <p:style>
+          <a:lnRef idx="1">
+            <a:schemeClr val="accent1"/>
+          </a:lnRef>
+          <a:fillRef idx="3">
+            <a:schemeClr val="accent1"/>
+          </a:fillRef>
+          <a:effectRef idx="2">
+            <a:schemeClr val="accent1"/>
+          </a:effectRef>
+          <a:fontRef idx="minor">
+            <a:schemeClr val="lt1"/>
+          </a:fontRef>
+        </p:style>
+        <p:txBody>
+          <a:bodyPr rtlCol="0" anchor="ctr"/>
+          <a:lstStyle/>
+          <a:p>
+            <a:pPr algn="ctr"/>
+            <a:r>
+              <a:rPr lang="en-US" sz="4000" dirty="0" smtClean="0">
+                <a:sym typeface="Wingdings"/>
+              </a:rPr>
+              <a:t>General problems with </a:t>
+            </a:r>
+            <a:r>
+              <a:rPr lang="en-US" sz="4000" dirty="0" err="1" smtClean="0">
+                <a:sym typeface="Wingdings"/>
+              </a:rPr>
+              <a:t>Elo</a:t>
+            </a:r>
+            <a:endParaRPr lang="en-US" sz="4000" dirty="0"/>
+          </a:p>
+        </p:txBody>
+      </p:sp>
+    </p:spTree>
+    <p:extLst>
+      <p:ext uri="{BB962C8B-B14F-4D97-AF65-F5344CB8AC3E}">
+        <p14:creationId xmlns:p14="http://schemas.microsoft.com/office/powerpoint/2010/main" val="379777443"/>
       </p:ext>
     </p:extLst>
   </p:cSld>
@@ -12902,6 +15963,303 @@
     <p:extLst>
       <p:ext uri="{BB962C8B-B14F-4D97-AF65-F5344CB8AC3E}">
         <p14:creationId xmlns:p14="http://schemas.microsoft.com/office/powerpoint/2010/main" val="4191319990"/>
+      </p:ext>
+    </p:extLst>
+  </p:cSld>
+  <p:clrMapOvr>
+    <a:masterClrMapping/>
+  </p:clrMapOvr>
+  <p:timing>
+    <p:tnLst>
+      <p:par>
+        <p:cTn xmlns:p14="http://schemas.microsoft.com/office/powerpoint/2010/main" id="1" dur="indefinite" restart="never" nodeType="tmRoot"/>
+      </p:par>
+    </p:tnLst>
+  </p:timing>
+</p:sld>
+</file>
+
+<file path=ppt/slides/slide50.xml><?xml version="1.0" encoding="utf-8"?>
+<p:sld xmlns:a="http://schemas.openxmlformats.org/drawingml/2006/main" xmlns:r="http://schemas.openxmlformats.org/officeDocument/2006/relationships" xmlns:p="http://schemas.openxmlformats.org/presentationml/2006/main">
+  <p:cSld>
+    <p:spTree>
+      <p:nvGrpSpPr>
+        <p:cNvPr id="1" name=""/>
+        <p:cNvGrpSpPr/>
+        <p:nvPr/>
+      </p:nvGrpSpPr>
+      <p:grpSpPr>
+        <a:xfrm>
+          <a:off x="0" y="0"/>
+          <a:ext cx="0" cy="0"/>
+          <a:chOff x="0" y="0"/>
+          <a:chExt cx="0" cy="0"/>
+        </a:xfrm>
+      </p:grpSpPr>
+      <p:sp>
+        <p:nvSpPr>
+          <p:cNvPr id="2" name="TextBox 1"/>
+          <p:cNvSpPr txBox="1"/>
+          <p:nvPr/>
+        </p:nvSpPr>
+        <p:spPr>
+          <a:xfrm>
+            <a:off x="669388" y="772249"/>
+            <a:ext cx="6413238" cy="3416320"/>
+          </a:xfrm>
+          <a:prstGeom prst="rect">
+            <a:avLst/>
+          </a:prstGeom>
+          <a:noFill/>
+        </p:spPr>
+        <p:txBody>
+          <a:bodyPr wrap="square" rtlCol="0">
+            <a:spAutoFit/>
+          </a:bodyPr>
+          <a:lstStyle/>
+          <a:p>
+            <a:r>
+              <a:rPr lang="en-AU" dirty="0" err="1" smtClean="0"/>
+              <a:t>Glicko</a:t>
+            </a:r>
+            <a:endParaRPr lang="en-AU" dirty="0" smtClean="0"/>
+          </a:p>
+          <a:p>
+            <a:endParaRPr lang="en-AU" dirty="0"/>
+          </a:p>
+          <a:p>
+            <a:r>
+              <a:rPr lang="en-AU" dirty="0" smtClean="0"/>
+              <a:t>Addresses a deficiency in </a:t>
+            </a:r>
+            <a:r>
+              <a:rPr lang="en-AU" dirty="0" err="1" smtClean="0"/>
+              <a:t>Elo</a:t>
+            </a:r>
+            <a:r>
+              <a:rPr lang="en-AU" dirty="0" smtClean="0"/>
+              <a:t>: the reliability of player’s ratings</a:t>
+            </a:r>
+          </a:p>
+          <a:p>
+            <a:endParaRPr lang="en-AU" dirty="0"/>
+          </a:p>
+          <a:p>
+            <a:r>
+              <a:rPr lang="en-AU" dirty="0" smtClean="0"/>
+              <a:t>It does this by introducing a rating deviation and rating volatility</a:t>
+            </a:r>
+          </a:p>
+          <a:p>
+            <a:endParaRPr lang="en-AU" dirty="0"/>
+          </a:p>
+          <a:p>
+            <a:r>
+              <a:rPr lang="en-AU" dirty="0" smtClean="0"/>
+              <a:t>High RD -&gt; Player not playing often so we have less confidence in this ranking</a:t>
+            </a:r>
+          </a:p>
+          <a:p>
+            <a:r>
+              <a:rPr lang="en-AU" dirty="0" smtClean="0"/>
+              <a:t>Low RD -&gt; Playing often so we have more confidence in this ranking</a:t>
+            </a:r>
+          </a:p>
+          <a:p>
+            <a:endParaRPr lang="en-AU" dirty="0"/>
+          </a:p>
+          <a:p>
+            <a:r>
+              <a:rPr lang="en-AU" dirty="0" smtClean="0"/>
+              <a:t>Change in ranking depends on their RD</a:t>
+            </a:r>
+            <a:endParaRPr lang="en-US" dirty="0" smtClean="0"/>
+          </a:p>
+        </p:txBody>
+      </p:sp>
+      <p:sp>
+        <p:nvSpPr>
+          <p:cNvPr id="3" name="TextBox 2"/>
+          <p:cNvSpPr txBox="1"/>
+          <p:nvPr/>
+        </p:nvSpPr>
+        <p:spPr>
+          <a:xfrm>
+            <a:off x="4599891" y="3758278"/>
+            <a:ext cx="184666" cy="369332"/>
+          </a:xfrm>
+          <a:prstGeom prst="rect">
+            <a:avLst/>
+          </a:prstGeom>
+          <a:noFill/>
+        </p:spPr>
+        <p:txBody>
+          <a:bodyPr wrap="none" rtlCol="0">
+            <a:spAutoFit/>
+          </a:bodyPr>
+          <a:lstStyle/>
+          <a:p>
+            <a:endParaRPr lang="en-US" dirty="0"/>
+          </a:p>
+        </p:txBody>
+      </p:sp>
+    </p:spTree>
+    <p:extLst>
+      <p:ext uri="{BB962C8B-B14F-4D97-AF65-F5344CB8AC3E}">
+        <p14:creationId xmlns:p14="http://schemas.microsoft.com/office/powerpoint/2010/main" val="1901752674"/>
+      </p:ext>
+    </p:extLst>
+  </p:cSld>
+  <p:clrMapOvr>
+    <a:masterClrMapping/>
+  </p:clrMapOvr>
+  <p:timing>
+    <p:tnLst>
+      <p:par>
+        <p:cTn xmlns:p14="http://schemas.microsoft.com/office/powerpoint/2010/main" id="1" dur="indefinite" restart="never" nodeType="tmRoot"/>
+      </p:par>
+    </p:tnLst>
+  </p:timing>
+</p:sld>
+</file>
+
+<file path=ppt/slides/slide51.xml><?xml version="1.0" encoding="utf-8"?>
+<p:sld xmlns:a="http://schemas.openxmlformats.org/drawingml/2006/main" xmlns:r="http://schemas.openxmlformats.org/officeDocument/2006/relationships" xmlns:p="http://schemas.openxmlformats.org/presentationml/2006/main">
+  <p:cSld>
+    <p:spTree>
+      <p:nvGrpSpPr>
+        <p:cNvPr id="1" name=""/>
+        <p:cNvGrpSpPr/>
+        <p:nvPr/>
+      </p:nvGrpSpPr>
+      <p:grpSpPr>
+        <a:xfrm>
+          <a:off x="0" y="0"/>
+          <a:ext cx="0" cy="0"/>
+          <a:chOff x="0" y="0"/>
+          <a:chExt cx="0" cy="0"/>
+        </a:xfrm>
+      </p:grpSpPr>
+      <p:sp>
+        <p:nvSpPr>
+          <p:cNvPr id="3" name="TextBox 2"/>
+          <p:cNvSpPr txBox="1"/>
+          <p:nvPr/>
+        </p:nvSpPr>
+        <p:spPr>
+          <a:xfrm>
+            <a:off x="4599891" y="3758278"/>
+            <a:ext cx="184666" cy="369332"/>
+          </a:xfrm>
+          <a:prstGeom prst="rect">
+            <a:avLst/>
+          </a:prstGeom>
+          <a:noFill/>
+        </p:spPr>
+        <p:txBody>
+          <a:bodyPr wrap="none" rtlCol="0">
+            <a:spAutoFit/>
+          </a:bodyPr>
+          <a:lstStyle/>
+          <a:p>
+            <a:endParaRPr lang="en-US" dirty="0"/>
+          </a:p>
+        </p:txBody>
+      </p:sp>
+      <p:pic>
+        <p:nvPicPr>
+          <p:cNvPr id="5" name="Picture 4"/>
+          <p:cNvPicPr>
+            <a:picLocks noChangeAspect="1"/>
+          </p:cNvPicPr>
+          <p:nvPr/>
+        </p:nvPicPr>
+        <p:blipFill>
+          <a:blip r:embed="rId3"/>
+          <a:stretch>
+            <a:fillRect/>
+          </a:stretch>
+        </p:blipFill>
+        <p:spPr>
+          <a:xfrm>
+            <a:off x="1003300" y="1057275"/>
+            <a:ext cx="7124700" cy="4140200"/>
+          </a:xfrm>
+          <a:prstGeom prst="rect">
+            <a:avLst/>
+          </a:prstGeom>
+        </p:spPr>
+      </p:pic>
+      <p:sp>
+        <p:nvSpPr>
+          <p:cNvPr id="6" name="Rectangle 5"/>
+          <p:cNvSpPr/>
+          <p:nvPr/>
+        </p:nvSpPr>
+        <p:spPr>
+          <a:xfrm>
+            <a:off x="0" y="5920576"/>
+            <a:ext cx="9144000" cy="937424"/>
+          </a:xfrm>
+          <a:prstGeom prst="rect">
+            <a:avLst/>
+          </a:prstGeom>
+          <a:gradFill>
+            <a:gsLst>
+              <a:gs pos="0">
+                <a:schemeClr val="tx2"/>
+              </a:gs>
+              <a:gs pos="100000">
+                <a:schemeClr val="accent1"/>
+              </a:gs>
+            </a:gsLst>
+          </a:gradFill>
+        </p:spPr>
+        <p:style>
+          <a:lnRef idx="1">
+            <a:schemeClr val="accent1"/>
+          </a:lnRef>
+          <a:fillRef idx="3">
+            <a:schemeClr val="accent1"/>
+          </a:fillRef>
+          <a:effectRef idx="2">
+            <a:schemeClr val="accent1"/>
+          </a:effectRef>
+          <a:fontRef idx="minor">
+            <a:schemeClr val="lt1"/>
+          </a:fontRef>
+        </p:style>
+        <p:txBody>
+          <a:bodyPr rtlCol="0" anchor="ctr"/>
+          <a:lstStyle/>
+          <a:p>
+            <a:pPr algn="ctr"/>
+            <a:r>
+              <a:rPr lang="en-US" sz="4000" dirty="0" smtClean="0">
+                <a:sym typeface="Wingdings"/>
+              </a:rPr>
+              <a:t>The </a:t>
+            </a:r>
+            <a:r>
+              <a:rPr lang="en-US" sz="4000" dirty="0" err="1" smtClean="0">
+                <a:sym typeface="Wingdings"/>
+              </a:rPr>
+              <a:t>Glicko</a:t>
+            </a:r>
+            <a:r>
+              <a:rPr lang="en-US" sz="4000" dirty="0" smtClean="0">
+                <a:sym typeface="Wingdings"/>
+              </a:rPr>
+              <a:t> Algorithm</a:t>
+            </a:r>
+            <a:endParaRPr lang="en-US" sz="4000" dirty="0"/>
+          </a:p>
+        </p:txBody>
+      </p:sp>
+    </p:spTree>
+    <p:extLst>
+      <p:ext uri="{BB962C8B-B14F-4D97-AF65-F5344CB8AC3E}">
+        <p14:creationId xmlns:p14="http://schemas.microsoft.com/office/powerpoint/2010/main" val="438265792"/>
       </p:ext>
     </p:extLst>
   </p:cSld>

--- a/data-science-london.pptx
+++ b/data-science-london.pptx
@@ -51,7 +51,7 @@
     <p:sldId id="273" r:id="rId42"/>
     <p:sldId id="269" r:id="rId43"/>
     <p:sldId id="313" r:id="rId44"/>
-    <p:sldId id="314" r:id="rId45"/>
+    <p:sldId id="321" r:id="rId45"/>
     <p:sldId id="311" r:id="rId46"/>
     <p:sldId id="315" r:id="rId47"/>
     <p:sldId id="316" r:id="rId48"/>
@@ -3050,11 +3050,7 @@
             </a:r>
             <a:r>
               <a:rPr lang="en-US" baseline="0" dirty="0" smtClean="0"/>
-              <a:t> </a:t>
-            </a:r>
-            <a:r>
-              <a:rPr lang="en-US" baseline="0" smtClean="0"/>
-              <a:t>of winning</a:t>
+              <a:t> of winning</a:t>
             </a:r>
             <a:endParaRPr lang="en-US" dirty="0"/>
           </a:p>
@@ -3510,11 +3506,11 @@
           <a:p>
             <a:r>
               <a:rPr lang="en-US" dirty="0" smtClean="0"/>
-              <a:t>If you lose then you get massively </a:t>
-            </a:r>
-            <a:r>
-              <a:rPr lang="en-US" dirty="0" err="1" smtClean="0"/>
-              <a:t>penalised</a:t>
+              <a:t>Barcelona are missing, they won early games when</a:t>
+            </a:r>
+            <a:r>
+              <a:rPr lang="en-US" baseline="0" dirty="0" smtClean="0"/>
+              <a:t> everyone was closely ranked but then lost points late on</a:t>
             </a:r>
             <a:endParaRPr lang="en-US" dirty="0"/>
           </a:p>
@@ -3693,11 +3689,11 @@
           <a:p>
             <a:r>
               <a:rPr lang="en-US" dirty="0" smtClean="0"/>
-              <a:t>If you lose then you get massively </a:t>
-            </a:r>
-            <a:r>
-              <a:rPr lang="en-US" dirty="0" err="1" smtClean="0"/>
-              <a:t>penalised</a:t>
+              <a:t>Barcelona are missing, they won early games when</a:t>
+            </a:r>
+            <a:r>
+              <a:rPr lang="en-US" baseline="0" dirty="0" smtClean="0"/>
+              <a:t> everyone was closely ranked but then lost points late on</a:t>
             </a:r>
             <a:endParaRPr lang="en-US" dirty="0"/>
           </a:p>
@@ -14315,7 +14311,7 @@
         <p:spPr>
           <a:xfrm>
             <a:off x="0" y="18139"/>
-            <a:ext cx="9292623" cy="5940087"/>
+            <a:ext cx="9292623" cy="5816978"/>
           </a:xfrm>
           <a:prstGeom prst="rect">
             <a:avLst/>
@@ -14329,21 +14325,21 @@
           <a:lstStyle/>
           <a:p>
             <a:r>
-              <a:rPr lang="en-US" sz="1900" dirty="0" smtClean="0">
+              <a:rPr lang="en-US" dirty="0" smtClean="0">
                 <a:latin typeface="Monaco"/>
                 <a:cs typeface="Monaco"/>
               </a:rPr>
               <a:t>(</a:t>
             </a:r>
             <a:r>
-              <a:rPr lang="en-US" sz="1900" dirty="0" err="1" smtClean="0">
+              <a:rPr lang="en-US" dirty="0" err="1" smtClean="0">
                 <a:latin typeface="Monaco"/>
                 <a:cs typeface="Monaco"/>
               </a:rPr>
               <a:t>defn</a:t>
             </a:r>
             <a:r>
-              <a:rPr lang="en-US" sz="1900" dirty="0" smtClean="0">
+              <a:rPr lang="en-US" dirty="0" smtClean="0">
                 <a:latin typeface="Monaco"/>
                 <a:cs typeface="Monaco"/>
               </a:rPr>
@@ -14352,7 +14348,7 @@
           </a:p>
           <a:p>
             <a:r>
-              <a:rPr lang="en-US" sz="1900" dirty="0" smtClean="0">
+              <a:rPr lang="en-US" dirty="0" smtClean="0">
                 <a:latin typeface="Monaco"/>
                 <a:cs typeface="Monaco"/>
               </a:rPr>
@@ -14361,7 +14357,7 @@
           </a:p>
           <a:p>
             <a:r>
-              <a:rPr lang="en-US" sz="1900" dirty="0" smtClean="0">
+              <a:rPr lang="en-US" dirty="0" smtClean="0">
                 <a:latin typeface="Monaco"/>
                 <a:cs typeface="Monaco"/>
               </a:rPr>
@@ -14370,152 +14366,59 @@
           </a:p>
           <a:p>
             <a:r>
-              <a:rPr lang="en-US" sz="1900" dirty="0" smtClean="0">
+              <a:rPr lang="en-US" dirty="0" smtClean="0">
                 <a:latin typeface="Monaco"/>
                 <a:cs typeface="Monaco"/>
               </a:rPr>
               <a:t>        (math/</a:t>
             </a:r>
             <a:r>
-              <a:rPr lang="en-US" sz="1900" dirty="0" err="1" smtClean="0">
+              <a:rPr lang="en-US" dirty="0" err="1" smtClean="0">
                 <a:latin typeface="Monaco"/>
                 <a:cs typeface="Monaco"/>
               </a:rPr>
               <a:t>expt</a:t>
             </a:r>
             <a:r>
-              <a:rPr lang="en-US" sz="1900" dirty="0" smtClean="0">
+              <a:rPr lang="en-US" dirty="0" smtClean="0">
                 <a:latin typeface="Monaco"/>
                 <a:cs typeface="Monaco"/>
               </a:rPr>
-              <a:t> 10 (/ (- opponent-ranking my-ranking) </a:t>
-            </a:r>
-          </a:p>
-          <a:p>
-            <a:r>
-              <a:rPr lang="en-US" sz="1900" dirty="0" smtClean="0">
-                <a:latin typeface="Monaco"/>
-                <a:cs typeface="Monaco"/>
-              </a:rPr>
-              <a:t>                         400)))))</a:t>
-            </a:r>
-          </a:p>
-          <a:p>
-            <a:r>
-              <a:rPr lang="en-US" sz="1900" dirty="0" smtClean="0">
-                <a:latin typeface="Monaco"/>
-                <a:cs typeface="Monaco"/>
-              </a:rPr>
-              <a:t>(</a:t>
-            </a:r>
-            <a:r>
-              <a:rPr lang="en-US" sz="1900" dirty="0" err="1" smtClean="0">
-                <a:latin typeface="Monaco"/>
-                <a:cs typeface="Monaco"/>
-              </a:rPr>
-              <a:t>defn</a:t>
-            </a:r>
-            <a:r>
-              <a:rPr lang="en-US" sz="1900" dirty="0" smtClean="0">
-                <a:latin typeface="Monaco"/>
-                <a:cs typeface="Monaco"/>
-              </a:rPr>
-              <a:t> ranking-after-win</a:t>
-            </a:r>
-          </a:p>
-          <a:p>
-            <a:r>
-              <a:rPr lang="en-US" sz="1900" dirty="0" smtClean="0">
-                <a:latin typeface="Monaco"/>
-                <a:cs typeface="Monaco"/>
-              </a:rPr>
-              <a:t>  [{ ranking :ranking </a:t>
-            </a:r>
-          </a:p>
-          <a:p>
-            <a:r>
-              <a:rPr lang="en-US" sz="1900" dirty="0">
-                <a:latin typeface="Monaco"/>
-                <a:cs typeface="Monaco"/>
-              </a:rPr>
-              <a:t> </a:t>
-            </a:r>
-            <a:r>
-              <a:rPr lang="en-US" sz="1900" dirty="0" smtClean="0">
-                <a:latin typeface="Monaco"/>
-                <a:cs typeface="Monaco"/>
-              </a:rPr>
-              <a:t>    opponent-ranking :opponent-ranking</a:t>
-            </a:r>
-          </a:p>
-          <a:p>
-            <a:r>
-              <a:rPr lang="en-US" sz="1900" dirty="0" smtClean="0">
-                <a:latin typeface="Monaco"/>
-                <a:cs typeface="Monaco"/>
-              </a:rPr>
-              <a:t>     importance :importance}]</a:t>
-            </a:r>
-          </a:p>
-          <a:p>
-            <a:r>
-              <a:rPr lang="en-US" sz="1900" dirty="0" smtClean="0">
-                <a:latin typeface="Monaco"/>
-                <a:cs typeface="Monaco"/>
-              </a:rPr>
-              <a:t>  (+ ranking</a:t>
-            </a:r>
-          </a:p>
-          <a:p>
-            <a:r>
-              <a:rPr lang="en-US" sz="1900" dirty="0" smtClean="0">
-                <a:latin typeface="Monaco"/>
-                <a:cs typeface="Monaco"/>
-              </a:rPr>
-              <a:t>     (* importance</a:t>
-            </a:r>
-          </a:p>
-          <a:p>
-            <a:r>
-              <a:rPr lang="en-US" sz="1900" dirty="0" smtClean="0">
-                <a:latin typeface="Monaco"/>
-                <a:cs typeface="Monaco"/>
-              </a:rPr>
-              <a:t>        (- 1 (expected ranking opponent-ranking) ))))</a:t>
-            </a:r>
-          </a:p>
-          <a:p>
-            <a:endParaRPr lang="en-US" sz="1900" dirty="0" smtClean="0">
+              <a:t> 10 (/ (- opponent-ranking my-ranking) 400)))))</a:t>
+            </a:r>
+          </a:p>
+          <a:p>
+            <a:endParaRPr lang="en-US" sz="1200" dirty="0">
               <a:latin typeface="Monaco"/>
               <a:cs typeface="Monaco"/>
             </a:endParaRPr>
           </a:p>
           <a:p>
             <a:r>
-              <a:rPr lang="en-US" sz="1900" dirty="0" smtClean="0">
+              <a:rPr lang="en-US" dirty="0" smtClean="0">
                 <a:latin typeface="Monaco"/>
                 <a:cs typeface="Monaco"/>
               </a:rPr>
               <a:t>(</a:t>
             </a:r>
             <a:r>
-              <a:rPr lang="en-US" sz="1900" dirty="0" err="1" smtClean="0">
+              <a:rPr lang="en-US" dirty="0" err="1" smtClean="0">
                 <a:latin typeface="Monaco"/>
                 <a:cs typeface="Monaco"/>
               </a:rPr>
               <a:t>defn</a:t>
             </a:r>
             <a:r>
-              <a:rPr lang="en-US" sz="1900" dirty="0" smtClean="0">
+              <a:rPr lang="en-US" dirty="0" smtClean="0">
                 <a:latin typeface="Monaco"/>
                 <a:cs typeface="Monaco"/>
               </a:rPr>
-              <a:t> ranking-after-loss</a:t>
-            </a:r>
-          </a:p>
-          <a:p>
-            <a:r>
-              <a:rPr lang="en-US" sz="1900" dirty="0" smtClean="0">
+              <a:t> ranking-after-game</a:t>
+            </a:r>
+          </a:p>
+          <a:p>
+            <a:r>
+              <a:rPr lang="en-US" dirty="0" smtClean="0">
                 <a:latin typeface="Monaco"/>
                 <a:cs typeface="Monaco"/>
               </a:rPr>
@@ -14524,7 +14427,7 @@
           </a:p>
           <a:p>
             <a:r>
-              <a:rPr lang="en-US" sz="1900" dirty="0" smtClean="0">
+              <a:rPr lang="en-US" dirty="0" smtClean="0">
                 <a:latin typeface="Monaco"/>
                 <a:cs typeface="Monaco"/>
               </a:rPr>
@@ -14533,43 +14436,246 @@
           </a:p>
           <a:p>
             <a:r>
-              <a:rPr lang="en-US" sz="1900" dirty="0" smtClean="0">
+              <a:rPr lang="en-US" dirty="0" smtClean="0">
                 <a:latin typeface="Monaco"/>
                 <a:cs typeface="Monaco"/>
               </a:rPr>
-              <a:t>     importance :importance}]</a:t>
-            </a:r>
-          </a:p>
-          <a:p>
-            <a:r>
-              <a:rPr lang="en-US" sz="1900" dirty="0" smtClean="0">
+              <a:t>     importance :importance</a:t>
+            </a:r>
+          </a:p>
+          <a:p>
+            <a:r>
+              <a:rPr lang="en-US" dirty="0" smtClean="0">
                 <a:latin typeface="Monaco"/>
                 <a:cs typeface="Monaco"/>
               </a:rPr>
-              <a:t>  (+ ranking</a:t>
-            </a:r>
-          </a:p>
-          <a:p>
-            <a:r>
-              <a:rPr lang="en-US" sz="1900" dirty="0" smtClean="0">
+              <a:t>     score :score}]</a:t>
+            </a:r>
+          </a:p>
+          <a:p>
+            <a:r>
+              <a:rPr lang="en-US" dirty="0" smtClean="0">
                 <a:latin typeface="Monaco"/>
                 <a:cs typeface="Monaco"/>
               </a:rPr>
-              <a:t>     (* importance</a:t>
-            </a:r>
-          </a:p>
-          <a:p>
-            <a:r>
-              <a:rPr lang="en-US" sz="1900" dirty="0" smtClean="0">
+              <a:t>  (+ ranking</a:t>
+            </a:r>
+          </a:p>
+          <a:p>
+            <a:r>
+              <a:rPr lang="en-US" dirty="0" smtClean="0">
                 <a:latin typeface="Monaco"/>
                 <a:cs typeface="Monaco"/>
               </a:rPr>
-              <a:t>        (- 0 (expected ranking opponent-ranking)))))</a:t>
-            </a:r>
-            <a:endParaRPr lang="en-US" sz="1900" dirty="0">
+              <a:t>     (* importance</a:t>
+            </a:r>
+          </a:p>
+          <a:p>
+            <a:r>
+              <a:rPr lang="en-US" dirty="0" smtClean="0">
+                <a:latin typeface="Monaco"/>
+                <a:cs typeface="Monaco"/>
+              </a:rPr>
+              <a:t>        (- score (expected ranking opponent-ranking)))))</a:t>
+            </a:r>
+          </a:p>
+          <a:p>
+            <a:endParaRPr lang="en-US" sz="1200" dirty="0" smtClean="0">
               <a:latin typeface="Monaco"/>
               <a:cs typeface="Monaco"/>
             </a:endParaRPr>
+          </a:p>
+          <a:p>
+            <a:r>
+              <a:rPr lang="en-US" dirty="0" smtClean="0">
+                <a:latin typeface="Monaco"/>
+                <a:cs typeface="Monaco"/>
+              </a:rPr>
+              <a:t>(</a:t>
+            </a:r>
+            <a:r>
+              <a:rPr lang="en-US" dirty="0" err="1" smtClean="0">
+                <a:latin typeface="Monaco"/>
+                <a:cs typeface="Monaco"/>
+              </a:rPr>
+              <a:t>defn</a:t>
+            </a:r>
+            <a:r>
+              <a:rPr lang="en-US" dirty="0" smtClean="0">
+                <a:latin typeface="Monaco"/>
+                <a:cs typeface="Monaco"/>
+              </a:rPr>
+              <a:t> ranking-after-win [</a:t>
+            </a:r>
+            <a:r>
+              <a:rPr lang="en-US" dirty="0" err="1" smtClean="0">
+                <a:latin typeface="Monaco"/>
+                <a:cs typeface="Monaco"/>
+              </a:rPr>
+              <a:t>args</a:t>
+            </a:r>
+            <a:r>
+              <a:rPr lang="en-US" dirty="0" smtClean="0">
+                <a:latin typeface="Monaco"/>
+                <a:cs typeface="Monaco"/>
+              </a:rPr>
+              <a:t>]</a:t>
+            </a:r>
+          </a:p>
+          <a:p>
+            <a:r>
+              <a:rPr lang="en-US" dirty="0" smtClean="0">
+                <a:latin typeface="Monaco"/>
+                <a:cs typeface="Monaco"/>
+              </a:rPr>
+              <a:t>  (ranking-after-game (merge </a:t>
+            </a:r>
+            <a:r>
+              <a:rPr lang="en-US" dirty="0" err="1" smtClean="0">
+                <a:latin typeface="Monaco"/>
+                <a:cs typeface="Monaco"/>
+              </a:rPr>
+              <a:t>args</a:t>
+            </a:r>
+            <a:r>
+              <a:rPr lang="en-US" dirty="0" smtClean="0">
+                <a:latin typeface="Monaco"/>
+                <a:cs typeface="Monaco"/>
+              </a:rPr>
+              <a:t> {:score 1})))</a:t>
+            </a:r>
+          </a:p>
+          <a:p>
+            <a:endParaRPr lang="en-US" sz="1200" dirty="0" smtClean="0">
+              <a:latin typeface="Monaco"/>
+              <a:cs typeface="Monaco"/>
+            </a:endParaRPr>
+          </a:p>
+          <a:p>
+            <a:r>
+              <a:rPr lang="en-US" dirty="0" smtClean="0">
+                <a:latin typeface="Monaco"/>
+                <a:cs typeface="Monaco"/>
+              </a:rPr>
+              <a:t>(</a:t>
+            </a:r>
+            <a:r>
+              <a:rPr lang="en-US" dirty="0" err="1" smtClean="0">
+                <a:latin typeface="Monaco"/>
+                <a:cs typeface="Monaco"/>
+              </a:rPr>
+              <a:t>defn</a:t>
+            </a:r>
+            <a:r>
+              <a:rPr lang="en-US" dirty="0" smtClean="0">
+                <a:latin typeface="Monaco"/>
+                <a:cs typeface="Monaco"/>
+              </a:rPr>
+              <a:t> ranking-after-win [</a:t>
+            </a:r>
+            <a:r>
+              <a:rPr lang="en-US" dirty="0" err="1" smtClean="0">
+                <a:latin typeface="Monaco"/>
+                <a:cs typeface="Monaco"/>
+              </a:rPr>
+              <a:t>args</a:t>
+            </a:r>
+            <a:r>
+              <a:rPr lang="en-US" dirty="0" smtClean="0">
+                <a:latin typeface="Monaco"/>
+                <a:cs typeface="Monaco"/>
+              </a:rPr>
+              <a:t>]</a:t>
+            </a:r>
+          </a:p>
+          <a:p>
+            <a:r>
+              <a:rPr lang="en-US" dirty="0" smtClean="0">
+                <a:latin typeface="Monaco"/>
+                <a:cs typeface="Monaco"/>
+              </a:rPr>
+              <a:t>  (ranking-after-game (merge </a:t>
+            </a:r>
+            <a:r>
+              <a:rPr lang="en-US" dirty="0" err="1" smtClean="0">
+                <a:latin typeface="Monaco"/>
+                <a:cs typeface="Monaco"/>
+              </a:rPr>
+              <a:t>args</a:t>
+            </a:r>
+            <a:r>
+              <a:rPr lang="en-US" dirty="0" smtClean="0">
+                <a:latin typeface="Monaco"/>
+                <a:cs typeface="Monaco"/>
+              </a:rPr>
+              <a:t> {:score 0})))</a:t>
+            </a:r>
+          </a:p>
+          <a:p>
+            <a:endParaRPr lang="en-US" sz="1200" dirty="0" smtClean="0">
+              <a:latin typeface="Monaco"/>
+              <a:cs typeface="Monaco"/>
+            </a:endParaRPr>
+          </a:p>
+          <a:p>
+            <a:r>
+              <a:rPr lang="en-US" dirty="0" smtClean="0">
+                <a:latin typeface="Monaco"/>
+                <a:cs typeface="Monaco"/>
+              </a:rPr>
+              <a:t>(</a:t>
+            </a:r>
+            <a:r>
+              <a:rPr lang="en-US" dirty="0" err="1" smtClean="0">
+                <a:latin typeface="Monaco"/>
+                <a:cs typeface="Monaco"/>
+              </a:rPr>
+              <a:t>defn</a:t>
+            </a:r>
+            <a:r>
+              <a:rPr lang="en-US" dirty="0" smtClean="0">
+                <a:latin typeface="Monaco"/>
+                <a:cs typeface="Monaco"/>
+              </a:rPr>
+              <a:t> ranking-after-draw [</a:t>
+            </a:r>
+            <a:r>
+              <a:rPr lang="en-US" dirty="0" err="1" smtClean="0">
+                <a:latin typeface="Monaco"/>
+                <a:cs typeface="Monaco"/>
+              </a:rPr>
+              <a:t>args</a:t>
+            </a:r>
+            <a:r>
+              <a:rPr lang="en-US" dirty="0" smtClean="0">
+                <a:latin typeface="Monaco"/>
+                <a:cs typeface="Monaco"/>
+              </a:rPr>
+              <a:t>]</a:t>
+            </a:r>
+          </a:p>
+          <a:p>
+            <a:r>
+              <a:rPr lang="en-US" dirty="0" smtClean="0">
+                <a:latin typeface="Monaco"/>
+                <a:cs typeface="Monaco"/>
+              </a:rPr>
+              <a:t>  (ranking-after-game (merge </a:t>
+            </a:r>
+            <a:r>
+              <a:rPr lang="en-US" dirty="0" err="1" smtClean="0">
+                <a:latin typeface="Monaco"/>
+                <a:cs typeface="Monaco"/>
+              </a:rPr>
+              <a:t>args</a:t>
+            </a:r>
+            <a:r>
+              <a:rPr lang="en-US" dirty="0" smtClean="0">
+                <a:latin typeface="Monaco"/>
+                <a:cs typeface="Monaco"/>
+              </a:rPr>
+              <a:t> {:score 0.5})))</a:t>
+            </a:r>
           </a:p>
         </p:txBody>
       </p:sp>
@@ -14746,7 +14852,7 @@
       </p:sp>
       <p:pic>
         <p:nvPicPr>
-          <p:cNvPr id="12" name="Picture 11"/>
+          <p:cNvPr id="14" name="Picture 13"/>
           <p:cNvPicPr>
             <a:picLocks noChangeAspect="1"/>
           </p:cNvPicPr>
@@ -14760,8 +14866,8 @@
         </p:blipFill>
         <p:spPr>
           <a:xfrm>
-            <a:off x="0" y="1308100"/>
-            <a:ext cx="9144000" cy="3717590"/>
+            <a:off x="0" y="1224640"/>
+            <a:ext cx="9144000" cy="3670287"/>
           </a:xfrm>
           <a:prstGeom prst="rect">
             <a:avLst/>
@@ -14887,7 +14993,7 @@
       </p:sp>
       <p:pic>
         <p:nvPicPr>
-          <p:cNvPr id="6" name="Picture 5"/>
+          <p:cNvPr id="10" name="Picture 9"/>
           <p:cNvPicPr>
             <a:picLocks noChangeAspect="1"/>
           </p:cNvPicPr>
@@ -14901,8 +15007,8 @@
         </p:blipFill>
         <p:spPr>
           <a:xfrm>
-            <a:off x="0" y="1409700"/>
-            <a:ext cx="9144000" cy="3524250"/>
+            <a:off x="0" y="1440543"/>
+            <a:ext cx="9144000" cy="3498273"/>
           </a:xfrm>
           <a:prstGeom prst="rect">
             <a:avLst/>
@@ -15028,7 +15134,7 @@
       </p:sp>
       <p:pic>
         <p:nvPicPr>
-          <p:cNvPr id="5" name="Picture 4"/>
+          <p:cNvPr id="2" name="Picture 1"/>
           <p:cNvPicPr>
             <a:picLocks noChangeAspect="1"/>
           </p:cNvPicPr>
@@ -15042,8 +15148,8 @@
         </p:blipFill>
         <p:spPr>
           <a:xfrm>
-            <a:off x="0" y="1876425"/>
-            <a:ext cx="9144000" cy="2309880"/>
+            <a:off x="0" y="2075540"/>
+            <a:ext cx="9144000" cy="1963204"/>
           </a:xfrm>
           <a:prstGeom prst="rect">
             <a:avLst/>
@@ -15053,7 +15159,7 @@
     </p:spTree>
     <p:extLst>
       <p:ext uri="{BB962C8B-B14F-4D97-AF65-F5344CB8AC3E}">
-        <p14:creationId xmlns:p14="http://schemas.microsoft.com/office/powerpoint/2010/main" val="3159410085"/>
+        <p14:creationId xmlns:p14="http://schemas.microsoft.com/office/powerpoint/2010/main" val="3525854038"/>
       </p:ext>
     </p:extLst>
   </p:cSld>
@@ -15346,7 +15452,7 @@
       </p:sp>
       <p:pic>
         <p:nvPicPr>
-          <p:cNvPr id="4" name="Picture 3"/>
+          <p:cNvPr id="5" name="Picture 4"/>
           <p:cNvPicPr>
             <a:picLocks noChangeAspect="1"/>
           </p:cNvPicPr>
@@ -15360,8 +15466,8 @@
         </p:blipFill>
         <p:spPr>
           <a:xfrm>
-            <a:off x="0" y="1104900"/>
-            <a:ext cx="9144000" cy="3996267"/>
+            <a:off x="0" y="888997"/>
+            <a:ext cx="9144000" cy="4303690"/>
           </a:xfrm>
           <a:prstGeom prst="rect">
             <a:avLst/>
@@ -15487,7 +15593,7 @@
       </p:sp>
       <p:pic>
         <p:nvPicPr>
-          <p:cNvPr id="5" name="Picture 4"/>
+          <p:cNvPr id="6" name="Picture 5"/>
           <p:cNvPicPr>
             <a:picLocks noChangeAspect="1"/>
           </p:cNvPicPr>
@@ -15501,8 +15607,8 @@
         </p:blipFill>
         <p:spPr>
           <a:xfrm>
-            <a:off x="0" y="1390650"/>
-            <a:ext cx="9144000" cy="3368842"/>
+            <a:off x="0" y="1382483"/>
+            <a:ext cx="9144000" cy="3388216"/>
           </a:xfrm>
           <a:prstGeom prst="rect">
             <a:avLst/>
@@ -15628,7 +15734,7 @@
       </p:sp>
       <p:pic>
         <p:nvPicPr>
-          <p:cNvPr id="2" name="Picture 1"/>
+          <p:cNvPr id="4" name="Picture 3"/>
           <p:cNvPicPr>
             <a:picLocks noChangeAspect="1"/>
           </p:cNvPicPr>
@@ -15642,8 +15748,8 @@
         </p:blipFill>
         <p:spPr>
           <a:xfrm>
-            <a:off x="0" y="1343025"/>
-            <a:ext cx="9144000" cy="3489614"/>
+            <a:off x="0" y="1295397"/>
+            <a:ext cx="9144000" cy="3494190"/>
           </a:xfrm>
           <a:prstGeom prst="rect">
             <a:avLst/>

--- a/data-science-london.pptx
+++ b/data-science-london.pptx
@@ -5,7 +5,7 @@
     <p:sldMasterId id="2147483648" r:id="rId1"/>
   </p:sldMasterIdLst>
   <p:notesMasterIdLst>
-    <p:notesMasterId r:id="rId53"/>
+    <p:notesMasterId r:id="rId54"/>
   </p:notesMasterIdLst>
   <p:sldIdLst>
     <p:sldId id="256" r:id="rId2"/>
@@ -59,6 +59,7 @@
     <p:sldId id="310" r:id="rId50"/>
     <p:sldId id="271" r:id="rId51"/>
     <p:sldId id="309" r:id="rId52"/>
+    <p:sldId id="322" r:id="rId53"/>
   </p:sldIdLst>
   <p:sldSz cx="9144000" cy="6858000" type="screen4x3"/>
   <p:notesSz cx="6858000" cy="9144000"/>
@@ -4227,9 +4228,9 @@
           <a:p>
             <a:r>
               <a:rPr lang="en-US" dirty="0" smtClean="0"/>
-              <a:t>The first one applies to us – we need to run it over a few seasons worth of matches to get accurate rankings</a:t>
-            </a:r>
-            <a:endParaRPr lang="en-US" dirty="0"/>
+              <a:t>We encounter number one but the other two don’t matter so much to us</a:t>
+            </a:r>
+            <a:endParaRPr lang="en-US" dirty="0" smtClean="0"/>
           </a:p>
         </p:txBody>
       </p:sp>
@@ -4435,6 +4436,227 @@
             <a:fld id="{6660ABC3-930E-AD4F-9D10-C22A876D97E3}" type="slidenum">
               <a:rPr lang="en-US" smtClean="0"/>
               <a:t>51</a:t>
+            </a:fld>
+            <a:endParaRPr lang="en-US"/>
+          </a:p>
+        </p:txBody>
+      </p:sp>
+    </p:spTree>
+    <p:extLst>
+      <p:ext uri="{BB962C8B-B14F-4D97-AF65-F5344CB8AC3E}">
+        <p14:creationId xmlns:p14="http://schemas.microsoft.com/office/powerpoint/2010/main" val="3839040640"/>
+      </p:ext>
+    </p:extLst>
+  </p:cSld>
+  <p:clrMapOvr>
+    <a:masterClrMapping/>
+  </p:clrMapOvr>
+</p:notes>
+</file>
+
+<file path=ppt/notesSlides/notesSlide48.xml><?xml version="1.0" encoding="utf-8"?>
+<p:notes xmlns:a="http://schemas.openxmlformats.org/drawingml/2006/main" xmlns:r="http://schemas.openxmlformats.org/officeDocument/2006/relationships" xmlns:p="http://schemas.openxmlformats.org/presentationml/2006/main">
+  <p:cSld>
+    <p:spTree>
+      <p:nvGrpSpPr>
+        <p:cNvPr id="1" name=""/>
+        <p:cNvGrpSpPr/>
+        <p:nvPr/>
+      </p:nvGrpSpPr>
+      <p:grpSpPr>
+        <a:xfrm>
+          <a:off x="0" y="0"/>
+          <a:ext cx="0" cy="0"/>
+          <a:chOff x="0" y="0"/>
+          <a:chExt cx="0" cy="0"/>
+        </a:xfrm>
+      </p:grpSpPr>
+      <p:sp>
+        <p:nvSpPr>
+          <p:cNvPr id="2" name="Slide Image Placeholder 1"/>
+          <p:cNvSpPr>
+            <a:spLocks noGrp="1" noRot="1" noChangeAspect="1"/>
+          </p:cNvSpPr>
+          <p:nvPr>
+            <p:ph type="sldImg"/>
+          </p:nvPr>
+        </p:nvSpPr>
+        <p:spPr/>
+      </p:sp>
+      <p:sp>
+        <p:nvSpPr>
+          <p:cNvPr id="3" name="Notes Placeholder 2"/>
+          <p:cNvSpPr>
+            <a:spLocks noGrp="1"/>
+          </p:cNvSpPr>
+          <p:nvPr>
+            <p:ph type="body" idx="1"/>
+          </p:nvPr>
+        </p:nvSpPr>
+        <p:spPr/>
+        <p:txBody>
+          <a:bodyPr/>
+          <a:lstStyle/>
+          <a:p>
+            <a:r>
+              <a:rPr lang="en-US" dirty="0" err="1" smtClean="0"/>
+              <a:t>Harkness</a:t>
+            </a:r>
+            <a:r>
+              <a:rPr lang="en-US" dirty="0" smtClean="0"/>
+              <a:t> –</a:t>
+            </a:r>
+            <a:r>
+              <a:rPr lang="en-US" baseline="0" dirty="0" smtClean="0"/>
+              <a:t> originally used for chess. Used a simpler algorithm by averaging the opponents ranking and then adjusts your ranking based on that, not taking current one into account</a:t>
+            </a:r>
+            <a:endParaRPr lang="en-US" dirty="0" smtClean="0"/>
+          </a:p>
+          <a:p>
+            <a:r>
+              <a:rPr lang="en-US" dirty="0" smtClean="0"/>
+              <a:t>True</a:t>
+            </a:r>
+            <a:r>
+              <a:rPr lang="en-US" baseline="0" dirty="0" smtClean="0"/>
+              <a:t> Skill – used by Microsoft for Xbox Live rankings (http://</a:t>
+            </a:r>
+            <a:r>
+              <a:rPr lang="en-US" baseline="0" dirty="0" err="1" smtClean="0"/>
+              <a:t>research.microsoft.com</a:t>
+            </a:r>
+            <a:r>
+              <a:rPr lang="en-US" baseline="0" dirty="0" smtClean="0"/>
+              <a:t>/en-us/projects/</a:t>
+            </a:r>
+            <a:r>
+              <a:rPr lang="en-US" baseline="0" dirty="0" err="1" smtClean="0"/>
+              <a:t>trueskill</a:t>
+            </a:r>
+            <a:r>
+              <a:rPr lang="en-US" baseline="0" dirty="0" smtClean="0"/>
+              <a:t>/)</a:t>
+            </a:r>
+          </a:p>
+          <a:p>
+            <a:r>
+              <a:rPr lang="en-US" baseline="0" dirty="0" err="1" smtClean="0"/>
+              <a:t>eGenesis</a:t>
+            </a:r>
+            <a:r>
+              <a:rPr lang="en-US" baseline="0" dirty="0" smtClean="0"/>
+              <a:t> – designed to reduce the impact of cheating by creating fake players - http://</a:t>
+            </a:r>
+            <a:r>
+              <a:rPr lang="en-US" baseline="0" dirty="0" err="1" smtClean="0"/>
+              <a:t>chronx.com</a:t>
+            </a:r>
+            <a:r>
+              <a:rPr lang="en-US" baseline="0" dirty="0" smtClean="0"/>
+              <a:t>/live/</a:t>
+            </a:r>
+            <a:r>
+              <a:rPr lang="en-US" baseline="0" dirty="0" err="1" smtClean="0"/>
+              <a:t>index.php?topic</a:t>
+            </a:r>
+            <a:r>
+              <a:rPr lang="en-US" baseline="0" dirty="0" smtClean="0"/>
+              <a:t>=739.0</a:t>
+            </a:r>
+          </a:p>
+          <a:p>
+            <a:r>
+              <a:rPr lang="en-US" baseline="0" dirty="0" smtClean="0"/>
+              <a:t>USATT – used for table tennis rankings. Similar to </a:t>
+            </a:r>
+            <a:r>
+              <a:rPr lang="en-US" baseline="0" dirty="0" err="1" smtClean="0"/>
+              <a:t>Elo</a:t>
+            </a:r>
+            <a:r>
+              <a:rPr lang="en-US" baseline="0" dirty="0" smtClean="0"/>
+              <a:t> but also takes uncertainty into account</a:t>
+            </a:r>
+          </a:p>
+          <a:p>
+            <a:pPr marL="0" marR="0" indent="0" algn="l" defTabSz="457200" rtl="0" eaLnBrk="1" fontAlgn="auto" latinLnBrk="0" hangingPunct="1">
+              <a:lnSpc>
+                <a:spcPct val="100000"/>
+              </a:lnSpc>
+              <a:spcBef>
+                <a:spcPts val="0"/>
+              </a:spcBef>
+              <a:spcAft>
+                <a:spcPts val="0"/>
+              </a:spcAft>
+              <a:buClrTx/>
+              <a:buSzTx/>
+              <a:buFontTx/>
+              <a:buNone/>
+              <a:tabLst/>
+              <a:defRPr/>
+            </a:pPr>
+            <a:r>
+              <a:rPr lang="en-US" baseline="0" dirty="0" err="1" smtClean="0"/>
+              <a:t>Perron</a:t>
+            </a:r>
+            <a:r>
+              <a:rPr lang="en-US" baseline="0" dirty="0" smtClean="0"/>
+              <a:t> </a:t>
+            </a:r>
+            <a:r>
+              <a:rPr lang="en-US" baseline="0" dirty="0" err="1" smtClean="0"/>
+              <a:t>Frobenius</a:t>
+            </a:r>
+            <a:r>
+              <a:rPr lang="en-US" baseline="0" dirty="0" smtClean="0"/>
+              <a:t> Theorem &amp; The Ranking of football teams - https://</a:t>
+            </a:r>
+            <a:r>
+              <a:rPr lang="en-US" baseline="0" dirty="0" err="1" smtClean="0"/>
+              <a:t>umdrive.memphis.edu</a:t>
+            </a:r>
+            <a:r>
+              <a:rPr lang="en-US" baseline="0" dirty="0" smtClean="0"/>
+              <a:t>/</a:t>
+            </a:r>
+            <a:r>
+              <a:rPr lang="en-US" baseline="0" dirty="0" err="1" smtClean="0"/>
+              <a:t>ccrousse</a:t>
+            </a:r>
+            <a:r>
+              <a:rPr lang="en-US" baseline="0" dirty="0" smtClean="0"/>
+              <a:t>/public/MATH%207375/</a:t>
+            </a:r>
+            <a:r>
+              <a:rPr lang="en-US" baseline="0" dirty="0" err="1" smtClean="0"/>
+              <a:t>PERRON.pdf</a:t>
+            </a:r>
+            <a:endParaRPr lang="en-US" baseline="0" dirty="0" smtClean="0"/>
+          </a:p>
+          <a:p>
+            <a:endParaRPr lang="en-US" dirty="0"/>
+          </a:p>
+        </p:txBody>
+      </p:sp>
+      <p:sp>
+        <p:nvSpPr>
+          <p:cNvPr id="4" name="Slide Number Placeholder 3"/>
+          <p:cNvSpPr>
+            <a:spLocks noGrp="1"/>
+          </p:cNvSpPr>
+          <p:nvPr>
+            <p:ph type="sldNum" sz="quarter" idx="10"/>
+          </p:nvPr>
+        </p:nvSpPr>
+        <p:spPr/>
+        <p:txBody>
+          <a:bodyPr/>
+          <a:lstStyle/>
+          <a:p>
+            <a:fld id="{6660ABC3-930E-AD4F-9D10-C22A876D97E3}" type="slidenum">
+              <a:rPr lang="en-US" smtClean="0"/>
+              <a:t>52</a:t>
             </a:fld>
             <a:endParaRPr lang="en-US"/>
           </a:p>
@@ -15726,7 +15948,7 @@
               <a:rPr lang="en-US" sz="4000" dirty="0" smtClean="0">
                 <a:sym typeface="Wingdings"/>
               </a:rPr>
-              <a:t>2012/2013 using 2004-2008 base ratings</a:t>
+              <a:t>2012/2013 using 2004-2012 base ratings</a:t>
             </a:r>
             <a:endParaRPr lang="en-US" sz="4000" dirty="0"/>
           </a:p>
@@ -15795,77 +16017,6 @@
       </p:grpSpPr>
       <p:sp>
         <p:nvSpPr>
-          <p:cNvPr id="2" name="TextBox 1"/>
-          <p:cNvSpPr txBox="1"/>
-          <p:nvPr/>
-        </p:nvSpPr>
-        <p:spPr>
-          <a:xfrm>
-            <a:off x="669388" y="772249"/>
-            <a:ext cx="6413238" cy="2862323"/>
-          </a:xfrm>
-          <a:prstGeom prst="rect">
-            <a:avLst/>
-          </a:prstGeom>
-          <a:noFill/>
-        </p:spPr>
-        <p:txBody>
-          <a:bodyPr wrap="square" rtlCol="0">
-            <a:spAutoFit/>
-          </a:bodyPr>
-          <a:lstStyle/>
-          <a:p>
-            <a:r>
-              <a:rPr lang="en-AU" dirty="0" smtClean="0"/>
-              <a:t>This can go after the examples:</a:t>
-            </a:r>
-          </a:p>
-          <a:p>
-            <a:endParaRPr lang="en-AU" dirty="0" smtClean="0"/>
-          </a:p>
-          <a:p>
-            <a:r>
-              <a:rPr lang="en-AU" dirty="0" smtClean="0"/>
-              <a:t>Problems with </a:t>
-            </a:r>
-            <a:r>
-              <a:rPr lang="en-AU" dirty="0" err="1" smtClean="0"/>
-              <a:t>Elo</a:t>
-            </a:r>
-            <a:endParaRPr lang="en-AU" dirty="0" smtClean="0"/>
-          </a:p>
-          <a:p>
-            <a:endParaRPr lang="en-AU" dirty="0" smtClean="0"/>
-          </a:p>
-          <a:p>
-            <a:r>
-              <a:rPr lang="en-AU" dirty="0" smtClean="0"/>
-              <a:t> 1. New players can take a long time to ascend or descend to their correct levels.</a:t>
-            </a:r>
-          </a:p>
-          <a:p>
-            <a:r>
-              <a:rPr lang="en-AU" dirty="0" smtClean="0"/>
-              <a:t>    2. Highly ranked players can be hesitant to play with provisional</a:t>
-            </a:r>
-          </a:p>
-          <a:p>
-            <a:r>
-              <a:rPr lang="en-AU" dirty="0" smtClean="0"/>
-              <a:t>       players whose ranking might be much more uncertain.</a:t>
-            </a:r>
-          </a:p>
-          <a:p>
-            <a:r>
-              <a:rPr lang="en-AU" dirty="0" smtClean="0"/>
-              <a:t>    3. There are no allowances for games with more than two players.</a:t>
-            </a:r>
-            <a:endParaRPr lang="en-US" dirty="0" smtClean="0"/>
-          </a:p>
-        </p:txBody>
-      </p:sp>
-      <p:sp>
-        <p:nvSpPr>
           <p:cNvPr id="3" name="TextBox 2"/>
           <p:cNvSpPr txBox="1"/>
           <p:nvPr/>
@@ -15947,6 +16098,60 @@
               <a:t>Elo</a:t>
             </a:r>
             <a:endParaRPr lang="en-US" sz="4000" dirty="0"/>
+          </a:p>
+        </p:txBody>
+      </p:sp>
+      <p:sp>
+        <p:nvSpPr>
+          <p:cNvPr id="6" name="TextBox 5"/>
+          <p:cNvSpPr txBox="1"/>
+          <p:nvPr/>
+        </p:nvSpPr>
+        <p:spPr>
+          <a:xfrm>
+            <a:off x="184580" y="819348"/>
+            <a:ext cx="8832420" cy="4401205"/>
+          </a:xfrm>
+          <a:prstGeom prst="rect">
+            <a:avLst/>
+          </a:prstGeom>
+          <a:noFill/>
+        </p:spPr>
+        <p:txBody>
+          <a:bodyPr wrap="square" rtlCol="0">
+            <a:spAutoFit/>
+          </a:bodyPr>
+          <a:lstStyle/>
+          <a:p>
+            <a:pPr marL="285750" indent="-285750">
+              <a:buFont typeface="Arial"/>
+              <a:buChar char="•"/>
+            </a:pPr>
+            <a:r>
+              <a:rPr lang="en-AU" sz="4000" dirty="0" smtClean="0"/>
+              <a:t>New players can take a long time to ascend or descend to their correct levels.</a:t>
+            </a:r>
+          </a:p>
+          <a:p>
+            <a:pPr marL="285750" indent="-285750">
+              <a:buFont typeface="Arial"/>
+              <a:buChar char="•"/>
+            </a:pPr>
+            <a:r>
+              <a:rPr lang="en-AU" sz="4000" dirty="0" smtClean="0"/>
+              <a:t>Highly ranked players can be hesitant to play with provisional</a:t>
+            </a:r>
+          </a:p>
+          <a:p>
+            <a:pPr marL="285750" indent="-285750">
+              <a:buFont typeface="Arial"/>
+              <a:buChar char="•"/>
+            </a:pPr>
+            <a:r>
+              <a:rPr lang="en-AU" sz="4000" dirty="0" smtClean="0"/>
+              <a:t>There are no allowances for games with more than two players.</a:t>
+            </a:r>
+            <a:endParaRPr lang="en-US" sz="4000" dirty="0" smtClean="0"/>
           </a:p>
         </p:txBody>
       </p:sp>
@@ -16209,6 +16414,62 @@
           </a:p>
         </p:txBody>
       </p:sp>
+      <p:sp>
+        <p:nvSpPr>
+          <p:cNvPr id="5" name="Rectangle 4"/>
+          <p:cNvSpPr/>
+          <p:nvPr/>
+        </p:nvSpPr>
+        <p:spPr>
+          <a:xfrm>
+            <a:off x="0" y="5938719"/>
+            <a:ext cx="9144000" cy="937424"/>
+          </a:xfrm>
+          <a:prstGeom prst="rect">
+            <a:avLst/>
+          </a:prstGeom>
+          <a:gradFill>
+            <a:gsLst>
+              <a:gs pos="0">
+                <a:schemeClr val="tx2"/>
+              </a:gs>
+              <a:gs pos="100000">
+                <a:schemeClr val="accent1"/>
+              </a:gs>
+            </a:gsLst>
+          </a:gradFill>
+        </p:spPr>
+        <p:style>
+          <a:lnRef idx="1">
+            <a:schemeClr val="accent1"/>
+          </a:lnRef>
+          <a:fillRef idx="3">
+            <a:schemeClr val="accent1"/>
+          </a:fillRef>
+          <a:effectRef idx="2">
+            <a:schemeClr val="accent1"/>
+          </a:effectRef>
+          <a:fontRef idx="minor">
+            <a:schemeClr val="lt1"/>
+          </a:fontRef>
+        </p:style>
+        <p:txBody>
+          <a:bodyPr rtlCol="0" anchor="ctr"/>
+          <a:lstStyle/>
+          <a:p>
+            <a:pPr algn="ctr"/>
+            <a:r>
+              <a:rPr lang="en-US" sz="4000" dirty="0" err="1" smtClean="0"/>
+              <a:t>Glicko</a:t>
+            </a:r>
+            <a:r>
+              <a:rPr lang="en-US" sz="4000" dirty="0" smtClean="0"/>
+              <a:t> Rating System</a:t>
+            </a:r>
+            <a:endParaRPr lang="en-US" sz="4000" dirty="0"/>
+          </a:p>
+        </p:txBody>
+      </p:sp>
     </p:spTree>
     <p:extLst>
       <p:ext uri="{BB962C8B-B14F-4D97-AF65-F5344CB8AC3E}">
@@ -16366,6 +16627,206 @@
     <p:extLst>
       <p:ext uri="{BB962C8B-B14F-4D97-AF65-F5344CB8AC3E}">
         <p14:creationId xmlns:p14="http://schemas.microsoft.com/office/powerpoint/2010/main" val="438265792"/>
+      </p:ext>
+    </p:extLst>
+  </p:cSld>
+  <p:clrMapOvr>
+    <a:masterClrMapping/>
+  </p:clrMapOvr>
+  <p:timing>
+    <p:tnLst>
+      <p:par>
+        <p:cTn xmlns:p14="http://schemas.microsoft.com/office/powerpoint/2010/main" id="1" dur="indefinite" restart="never" nodeType="tmRoot"/>
+      </p:par>
+    </p:tnLst>
+  </p:timing>
+</p:sld>
+</file>
+
+<file path=ppt/slides/slide52.xml><?xml version="1.0" encoding="utf-8"?>
+<p:sld xmlns:a="http://schemas.openxmlformats.org/drawingml/2006/main" xmlns:r="http://schemas.openxmlformats.org/officeDocument/2006/relationships" xmlns:p="http://schemas.openxmlformats.org/presentationml/2006/main">
+  <p:cSld>
+    <p:spTree>
+      <p:nvGrpSpPr>
+        <p:cNvPr id="1" name=""/>
+        <p:cNvGrpSpPr/>
+        <p:nvPr/>
+      </p:nvGrpSpPr>
+      <p:grpSpPr>
+        <a:xfrm>
+          <a:off x="0" y="0"/>
+          <a:ext cx="0" cy="0"/>
+          <a:chOff x="0" y="0"/>
+          <a:chExt cx="0" cy="0"/>
+        </a:xfrm>
+      </p:grpSpPr>
+      <p:sp>
+        <p:nvSpPr>
+          <p:cNvPr id="3" name="TextBox 2"/>
+          <p:cNvSpPr txBox="1"/>
+          <p:nvPr/>
+        </p:nvSpPr>
+        <p:spPr>
+          <a:xfrm>
+            <a:off x="4599891" y="3758278"/>
+            <a:ext cx="184666" cy="369332"/>
+          </a:xfrm>
+          <a:prstGeom prst="rect">
+            <a:avLst/>
+          </a:prstGeom>
+          <a:noFill/>
+        </p:spPr>
+        <p:txBody>
+          <a:bodyPr wrap="none" rtlCol="0">
+            <a:spAutoFit/>
+          </a:bodyPr>
+          <a:lstStyle/>
+          <a:p>
+            <a:endParaRPr lang="en-US" dirty="0"/>
+          </a:p>
+        </p:txBody>
+      </p:sp>
+      <p:sp>
+        <p:nvSpPr>
+          <p:cNvPr id="6" name="Rectangle 5"/>
+          <p:cNvSpPr/>
+          <p:nvPr/>
+        </p:nvSpPr>
+        <p:spPr>
+          <a:xfrm>
+            <a:off x="0" y="5920576"/>
+            <a:ext cx="9144000" cy="937424"/>
+          </a:xfrm>
+          <a:prstGeom prst="rect">
+            <a:avLst/>
+          </a:prstGeom>
+          <a:gradFill>
+            <a:gsLst>
+              <a:gs pos="0">
+                <a:schemeClr val="tx2"/>
+              </a:gs>
+              <a:gs pos="100000">
+                <a:schemeClr val="accent1"/>
+              </a:gs>
+            </a:gsLst>
+          </a:gradFill>
+        </p:spPr>
+        <p:style>
+          <a:lnRef idx="1">
+            <a:schemeClr val="accent1"/>
+          </a:lnRef>
+          <a:fillRef idx="3">
+            <a:schemeClr val="accent1"/>
+          </a:fillRef>
+          <a:effectRef idx="2">
+            <a:schemeClr val="accent1"/>
+          </a:effectRef>
+          <a:fontRef idx="minor">
+            <a:schemeClr val="lt1"/>
+          </a:fontRef>
+        </p:style>
+        <p:txBody>
+          <a:bodyPr rtlCol="0" anchor="ctr"/>
+          <a:lstStyle/>
+          <a:p>
+            <a:pPr algn="ctr"/>
+            <a:r>
+              <a:rPr lang="en-US" sz="4000" dirty="0" smtClean="0">
+                <a:sym typeface="Wingdings"/>
+              </a:rPr>
+              <a:t>Other Ranking Systems</a:t>
+            </a:r>
+            <a:endParaRPr lang="en-US" sz="4000" dirty="0"/>
+          </a:p>
+        </p:txBody>
+      </p:sp>
+      <p:sp>
+        <p:nvSpPr>
+          <p:cNvPr id="7" name="TextBox 6"/>
+          <p:cNvSpPr txBox="1"/>
+          <p:nvPr/>
+        </p:nvSpPr>
+        <p:spPr>
+          <a:xfrm>
+            <a:off x="184580" y="819348"/>
+            <a:ext cx="8832420" cy="3785652"/>
+          </a:xfrm>
+          <a:prstGeom prst="rect">
+            <a:avLst/>
+          </a:prstGeom>
+          <a:noFill/>
+        </p:spPr>
+        <p:txBody>
+          <a:bodyPr wrap="square" rtlCol="0">
+            <a:spAutoFit/>
+          </a:bodyPr>
+          <a:lstStyle/>
+          <a:p>
+            <a:pPr marL="285750" indent="-285750">
+              <a:buFont typeface="Arial"/>
+              <a:buChar char="•"/>
+            </a:pPr>
+            <a:endParaRPr lang="en-AU" sz="4000" dirty="0" smtClean="0"/>
+          </a:p>
+          <a:p>
+            <a:pPr marL="285750" indent="-285750">
+              <a:buFont typeface="Arial"/>
+              <a:buChar char="•"/>
+            </a:pPr>
+            <a:r>
+              <a:rPr lang="en-AU" sz="4000" dirty="0" err="1" smtClean="0"/>
+              <a:t>Harkness</a:t>
+            </a:r>
+            <a:endParaRPr lang="en-AU" sz="4000" dirty="0" smtClean="0"/>
+          </a:p>
+          <a:p>
+            <a:pPr marL="285750" indent="-285750">
+              <a:buFont typeface="Arial"/>
+              <a:buChar char="•"/>
+            </a:pPr>
+            <a:r>
+              <a:rPr lang="en-AU" sz="4000" dirty="0" smtClean="0"/>
+              <a:t>True Skill</a:t>
+            </a:r>
+          </a:p>
+          <a:p>
+            <a:pPr marL="285750" indent="-285750">
+              <a:buFont typeface="Arial"/>
+              <a:buChar char="•"/>
+            </a:pPr>
+            <a:r>
+              <a:rPr lang="en-AU" sz="4000" dirty="0" err="1" smtClean="0"/>
+              <a:t>eGenesis</a:t>
+            </a:r>
+            <a:endParaRPr lang="en-AU" sz="4000" dirty="0" smtClean="0"/>
+          </a:p>
+          <a:p>
+            <a:pPr marL="285750" indent="-285750">
+              <a:buFont typeface="Arial"/>
+              <a:buChar char="•"/>
+            </a:pPr>
+            <a:r>
+              <a:rPr lang="en-AU" sz="4000" dirty="0" smtClean="0"/>
+              <a:t>USATT</a:t>
+            </a:r>
+            <a:endParaRPr lang="en-AU" sz="4000" dirty="0" smtClean="0"/>
+          </a:p>
+          <a:p>
+            <a:pPr marL="285750" indent="-285750">
+              <a:buFont typeface="Arial"/>
+              <a:buChar char="•"/>
+            </a:pPr>
+            <a:r>
+              <a:rPr lang="en-AU" sz="4000" dirty="0" smtClean="0"/>
+              <a:t>Matrix Based Algorithms</a:t>
+            </a:r>
+          </a:p>
+        </p:txBody>
+      </p:sp>
+    </p:spTree>
+    <p:extLst>
+      <p:ext uri="{BB962C8B-B14F-4D97-AF65-F5344CB8AC3E}">
+        <p14:creationId xmlns:p14="http://schemas.microsoft.com/office/powerpoint/2010/main" val="2812397087"/>
       </p:ext>
     </p:extLst>
   </p:cSld>
